--- a/Project2_Week02_Luther/LowBudget_Presentation.pptx
+++ b/Project2_Week02_Luther/LowBudget_Presentation.pptx
@@ -21,6 +21,7 @@
     <p:sldId id="266" r:id="rId18"/>
     <p:sldId id="267" r:id="rId19"/>
     <p:sldId id="268" r:id="rId20"/>
+    <p:sldId id="269" r:id="rId21"/>
   </p:sldIdLst>
   <p:sldSz cx="24384000" cy="13716000"/>
   <p:notesSz cx="6858000" cy="9144000"/>
@@ -3207,42 +3208,290 @@
           <a:chExt cx="0" cy="0"/>
         </a:xfrm>
       </p:grpSpPr>
-      <p:sp>
-        <p:nvSpPr>
-          <p:cNvPr id="166" name="Future Analysis"/>
-          <p:cNvSpPr txBox="1"/>
-          <p:nvPr>
-            <p:ph type="title" idx="4294967295"/>
-          </p:nvPr>
-        </p:nvSpPr>
+      <p:pic>
+        <p:nvPicPr>
+          <p:cNvPr id="166" name="filmstrip_curly_clipart.jpg" descr="filmstrip_curly_clipart.jpg"/>
+          <p:cNvPicPr>
+            <a:picLocks noChangeAspect="1"/>
+          </p:cNvPicPr>
+          <p:nvPr/>
+        </p:nvPicPr>
+        <p:blipFill>
+          <a:blip r:embed="rId2">
+            <a:alphaModFix amt="32656"/>
+            <a:extLst/>
+          </a:blip>
+          <a:srcRect l="1443" t="0" r="1" b="0"/>
+          <a:stretch>
+            <a:fillRect/>
+          </a:stretch>
+        </p:blipFill>
         <p:spPr>
-          <a:xfrm>
-            <a:off x="1790700" y="571500"/>
-            <a:ext cx="20815300" cy="2027536"/>
+          <a:xfrm flipH="1" rot="10800000">
+            <a:off x="13067011" y="2871813"/>
+            <a:ext cx="10663239" cy="10819607"/>
           </a:xfrm>
-          <a:prstGeom prst="rect">
+          <a:custGeom>
             <a:avLst/>
-          </a:prstGeom>
+            <a:gdLst/>
+            <a:ahLst/>
+            <a:cxnLst>
+              <a:cxn ang="0">
+                <a:pos x="wd2" y="hd2"/>
+              </a:cxn>
+              <a:cxn ang="5400000">
+                <a:pos x="wd2" y="hd2"/>
+              </a:cxn>
+              <a:cxn ang="10800000">
+                <a:pos x="wd2" y="hd2"/>
+              </a:cxn>
+              <a:cxn ang="16200000">
+                <a:pos x="wd2" y="hd2"/>
+              </a:cxn>
+            </a:cxnLst>
+            <a:rect l="0" t="0" r="r" b="b"/>
+            <a:pathLst>
+              <a:path w="21600" h="21600" fill="norm" stroke="1" extrusionOk="0">
+                <a:moveTo>
+                  <a:pt x="20242" y="0"/>
+                </a:moveTo>
+                <a:cubicBezTo>
+                  <a:pt x="19495" y="0"/>
+                  <a:pt x="18885" y="7"/>
+                  <a:pt x="18885" y="16"/>
+                </a:cubicBezTo>
+                <a:cubicBezTo>
+                  <a:pt x="18886" y="24"/>
+                  <a:pt x="18971" y="269"/>
+                  <a:pt x="19074" y="560"/>
+                </a:cubicBezTo>
+                <a:cubicBezTo>
+                  <a:pt x="19385" y="1437"/>
+                  <a:pt x="19310" y="2287"/>
+                  <a:pt x="18819" y="3449"/>
+                </a:cubicBezTo>
+                <a:cubicBezTo>
+                  <a:pt x="18507" y="4187"/>
+                  <a:pt x="17722" y="5367"/>
+                  <a:pt x="17130" y="5985"/>
+                </a:cubicBezTo>
+                <a:lnTo>
+                  <a:pt x="16913" y="6213"/>
+                </a:lnTo>
+                <a:lnTo>
+                  <a:pt x="16272" y="5764"/>
+                </a:lnTo>
+                <a:cubicBezTo>
+                  <a:pt x="13456" y="3793"/>
+                  <a:pt x="9990" y="2290"/>
+                  <a:pt x="7358" y="1899"/>
+                </a:cubicBezTo>
+                <a:cubicBezTo>
+                  <a:pt x="6563" y="1781"/>
+                  <a:pt x="5393" y="1779"/>
+                  <a:pt x="4789" y="1893"/>
+                </a:cubicBezTo>
+                <a:cubicBezTo>
+                  <a:pt x="3358" y="2164"/>
+                  <a:pt x="2077" y="2906"/>
+                  <a:pt x="1435" y="3835"/>
+                </a:cubicBezTo>
+                <a:cubicBezTo>
+                  <a:pt x="1103" y="4314"/>
+                  <a:pt x="936" y="4729"/>
+                  <a:pt x="787" y="5454"/>
+                </a:cubicBezTo>
+                <a:cubicBezTo>
+                  <a:pt x="731" y="5724"/>
+                  <a:pt x="532" y="6570"/>
+                  <a:pt x="343" y="7333"/>
+                </a:cubicBezTo>
+                <a:cubicBezTo>
+                  <a:pt x="154" y="8096"/>
+                  <a:pt x="0" y="8823"/>
+                  <a:pt x="0" y="8950"/>
+                </a:cubicBezTo>
+                <a:cubicBezTo>
+                  <a:pt x="2" y="9495"/>
+                  <a:pt x="589" y="10277"/>
+                  <a:pt x="1385" y="10796"/>
+                </a:cubicBezTo>
+                <a:cubicBezTo>
+                  <a:pt x="2983" y="11837"/>
+                  <a:pt x="5545" y="12573"/>
+                  <a:pt x="7571" y="12574"/>
+                </a:cubicBezTo>
+                <a:cubicBezTo>
+                  <a:pt x="9175" y="12575"/>
+                  <a:pt x="10814" y="12203"/>
+                  <a:pt x="12663" y="11420"/>
+                </a:cubicBezTo>
+                <a:lnTo>
+                  <a:pt x="13218" y="11186"/>
+                </a:lnTo>
+                <a:lnTo>
+                  <a:pt x="13443" y="11305"/>
+                </a:lnTo>
+                <a:cubicBezTo>
+                  <a:pt x="13566" y="11370"/>
+                  <a:pt x="14081" y="11690"/>
+                  <a:pt x="14587" y="12018"/>
+                </a:cubicBezTo>
+                <a:cubicBezTo>
+                  <a:pt x="16179" y="13050"/>
+                  <a:pt x="17801" y="14335"/>
+                  <a:pt x="17685" y="14472"/>
+                </a:cubicBezTo>
+                <a:cubicBezTo>
+                  <a:pt x="17646" y="14519"/>
+                  <a:pt x="17336" y="14565"/>
+                  <a:pt x="16879" y="14591"/>
+                </a:cubicBezTo>
+                <a:cubicBezTo>
+                  <a:pt x="13623" y="14781"/>
+                  <a:pt x="10115" y="15663"/>
+                  <a:pt x="7118" y="17047"/>
+                </a:cubicBezTo>
+                <a:cubicBezTo>
+                  <a:pt x="5809" y="17652"/>
+                  <a:pt x="5036" y="18194"/>
+                  <a:pt x="4061" y="19192"/>
+                </a:cubicBezTo>
+                <a:cubicBezTo>
+                  <a:pt x="3228" y="20045"/>
+                  <a:pt x="2608" y="20910"/>
+                  <a:pt x="2435" y="21460"/>
+                </a:cubicBezTo>
+                <a:lnTo>
+                  <a:pt x="2391" y="21600"/>
+                </a:lnTo>
+                <a:lnTo>
+                  <a:pt x="7171" y="21600"/>
+                </a:lnTo>
+                <a:lnTo>
+                  <a:pt x="7149" y="21357"/>
+                </a:lnTo>
+                <a:cubicBezTo>
+                  <a:pt x="7106" y="20915"/>
+                  <a:pt x="7479" y="19946"/>
+                  <a:pt x="7867" y="19492"/>
+                </a:cubicBezTo>
+                <a:cubicBezTo>
+                  <a:pt x="8248" y="19045"/>
+                  <a:pt x="10032" y="18053"/>
+                  <a:pt x="11179" y="17650"/>
+                </a:cubicBezTo>
+                <a:cubicBezTo>
+                  <a:pt x="12606" y="17148"/>
+                  <a:pt x="14126" y="17003"/>
+                  <a:pt x="15866" y="17204"/>
+                </a:cubicBezTo>
+                <a:cubicBezTo>
+                  <a:pt x="17422" y="17384"/>
+                  <a:pt x="18358" y="17317"/>
+                  <a:pt x="18774" y="16995"/>
+                </a:cubicBezTo>
+                <a:cubicBezTo>
+                  <a:pt x="18904" y="16894"/>
+                  <a:pt x="19707" y="15439"/>
+                  <a:pt x="21060" y="12854"/>
+                </a:cubicBezTo>
+                <a:cubicBezTo>
+                  <a:pt x="21273" y="12447"/>
+                  <a:pt x="21276" y="11667"/>
+                  <a:pt x="21067" y="11046"/>
+                </a:cubicBezTo>
+                <a:cubicBezTo>
+                  <a:pt x="20763" y="10143"/>
+                  <a:pt x="20074" y="9123"/>
+                  <a:pt x="19036" y="8035"/>
+                </a:cubicBezTo>
+                <a:lnTo>
+                  <a:pt x="18548" y="7523"/>
+                </a:lnTo>
+                <a:lnTo>
+                  <a:pt x="19150" y="6922"/>
+                </a:lnTo>
+                <a:cubicBezTo>
+                  <a:pt x="20037" y="6033"/>
+                  <a:pt x="20673" y="5229"/>
+                  <a:pt x="21340" y="4154"/>
+                </a:cubicBezTo>
+                <a:lnTo>
+                  <a:pt x="21600" y="3733"/>
+                </a:lnTo>
+                <a:lnTo>
+                  <a:pt x="21600" y="1866"/>
+                </a:lnTo>
+                <a:lnTo>
+                  <a:pt x="21600" y="0"/>
+                </a:lnTo>
+                <a:lnTo>
+                  <a:pt x="20242" y="0"/>
+                </a:lnTo>
+                <a:close/>
+                <a:moveTo>
+                  <a:pt x="2620" y="7167"/>
+                </a:moveTo>
+                <a:cubicBezTo>
+                  <a:pt x="2807" y="7164"/>
+                  <a:pt x="3002" y="7178"/>
+                  <a:pt x="3297" y="7211"/>
+                </a:cubicBezTo>
+                <a:cubicBezTo>
+                  <a:pt x="4546" y="7348"/>
+                  <a:pt x="6168" y="7824"/>
+                  <a:pt x="8116" y="8624"/>
+                </a:cubicBezTo>
+                <a:cubicBezTo>
+                  <a:pt x="9118" y="9036"/>
+                  <a:pt x="11061" y="9948"/>
+                  <a:pt x="11274" y="10106"/>
+                </a:cubicBezTo>
+                <a:cubicBezTo>
+                  <a:pt x="11395" y="10196"/>
+                  <a:pt x="11389" y="10204"/>
+                  <a:pt x="11105" y="10325"/>
+                </a:cubicBezTo>
+                <a:cubicBezTo>
+                  <a:pt x="10669" y="10509"/>
+                  <a:pt x="9886" y="10744"/>
+                  <a:pt x="9314" y="10863"/>
+                </a:cubicBezTo>
+                <a:cubicBezTo>
+                  <a:pt x="8602" y="11010"/>
+                  <a:pt x="7416" y="11038"/>
+                  <a:pt x="6789" y="10922"/>
+                </a:cubicBezTo>
+                <a:cubicBezTo>
+                  <a:pt x="4400" y="10479"/>
+                  <a:pt x="2479" y="9409"/>
+                  <a:pt x="1476" y="7962"/>
+                </a:cubicBezTo>
+                <a:cubicBezTo>
+                  <a:pt x="1203" y="7569"/>
+                  <a:pt x="1185" y="7521"/>
+                  <a:pt x="1275" y="7432"/>
+                </a:cubicBezTo>
+                <a:cubicBezTo>
+                  <a:pt x="1333" y="7375"/>
+                  <a:pt x="1632" y="7291"/>
+                  <a:pt x="1989" y="7234"/>
+                </a:cubicBezTo>
+                <a:cubicBezTo>
+                  <a:pt x="2252" y="7191"/>
+                  <a:pt x="2432" y="7171"/>
+                  <a:pt x="2620" y="7167"/>
+                </a:cubicBezTo>
+                <a:close/>
+              </a:path>
+            </a:pathLst>
+          </a:custGeom>
+          <a:ln w="12700">
+            <a:miter lim="400000"/>
+          </a:ln>
         </p:spPr>
-        <p:txBody>
-          <a:bodyPr/>
-          <a:lstStyle>
-            <a:lvl1pPr algn="l">
-              <a:defRPr sz="10000">
-                <a:solidFill>
-                  <a:srgbClr val="000000"/>
-                </a:solidFill>
-              </a:defRPr>
-            </a:lvl1pPr>
-          </a:lstStyle>
-          <a:p>
-            <a:pPr/>
-            <a:r>
-              <a:t>Future Analysis</a:t>
-            </a:r>
-          </a:p>
-        </p:txBody>
-      </p:sp>
+      </p:pic>
       <p:sp>
         <p:nvSpPr>
           <p:cNvPr id="167" name="Evaluate influence of genre…"/>
@@ -3394,409 +3643,48 @@
           </a:p>
         </p:txBody>
       </p:sp>
+      <p:sp>
+        <p:nvSpPr>
+          <p:cNvPr id="168" name="Future Analysis"/>
+          <p:cNvSpPr txBox="1"/>
+          <p:nvPr>
+            <p:ph type="title" idx="4294967295"/>
+          </p:nvPr>
+        </p:nvSpPr>
+        <p:spPr>
+          <a:xfrm>
+            <a:off x="1790700" y="571499"/>
+            <a:ext cx="11224915" cy="2027537"/>
+          </a:xfrm>
+          <a:prstGeom prst="rect">
+            <a:avLst/>
+          </a:prstGeom>
+        </p:spPr>
+        <p:txBody>
+          <a:bodyPr/>
+          <a:lstStyle>
+            <a:lvl1pPr algn="l">
+              <a:defRPr sz="10000">
+                <a:solidFill>
+                  <a:srgbClr val="000000"/>
+                </a:solidFill>
+              </a:defRPr>
+            </a:lvl1pPr>
+          </a:lstStyle>
+          <a:p>
+            <a:pPr/>
+            <a:r>
+              <a:t>Future Analysis</a:t>
+            </a:r>
+          </a:p>
+        </p:txBody>
+      </p:sp>
     </p:spTree>
   </p:cSld>
   <p:clrMapOvr>
     <a:masterClrMapping/>
   </p:clrMapOvr>
   <p:transition xmlns:p14="http://schemas.microsoft.com/office/powerpoint/2010/main" spd="med" advClick="1"/>
-  <p:timing>
-    <p:tnLst>
-      <p:par>
-        <p:cTn id="1" nodeType="tmRoot" restart="never" dur="indefinite" fill="hold">
-          <p:childTnLst>
-            <p:seq concurrent="1" prevAc="none" nextAc="seek">
-              <p:cTn id="2" nodeType="mainSeq" dur="indefinite" fill="hold">
-                <p:childTnLst>
-                  <p:par>
-                    <p:cTn id="3" fill="hold">
-                      <p:stCondLst>
-                        <p:cond delay="indefinite"/>
-                      </p:stCondLst>
-                      <p:childTnLst>
-                        <p:par>
-                          <p:cTn id="4" fill="hold">
-                            <p:stCondLst>
-                              <p:cond delay="0"/>
-                            </p:stCondLst>
-                            <p:childTnLst>
-                              <p:par>
-                                <p:cTn id="5" presetClass="entr" nodeType="clickEffect" presetSubtype="0" presetID="1" grpId="1" fill="hold">
-                                  <p:stCondLst>
-                                    <p:cond delay="0"/>
-                                  </p:stCondLst>
-                                  <p:iterate type="el" backwards="0">
-                                    <p:tmAbs val="0"/>
-                                  </p:iterate>
-                                  <p:childTnLst>
-                                    <p:set>
-                                      <p:cBhvr>
-                                        <p:cTn id="6" fill="hold"/>
-                                        <p:tgtEl>
-                                          <p:spTgt spid="167">
-                                            <p:bg/>
-                                          </p:spTgt>
-                                        </p:tgtEl>
-                                        <p:attrNameLst>
-                                          <p:attrName>style.visibility</p:attrName>
-                                        </p:attrNameLst>
-                                      </p:cBhvr>
-                                      <p:to>
-                                        <p:strVal val="visible"/>
-                                      </p:to>
-                                    </p:set>
-                                  </p:childTnLst>
-                                </p:cTn>
-                              </p:par>
-                              <p:par>
-                                <p:cTn id="7" presetClass="entr" nodeType="withEffect" presetSubtype="0" presetID="1" grpId="1" fill="hold">
-                                  <p:stCondLst>
-                                    <p:cond delay="0"/>
-                                  </p:stCondLst>
-                                  <p:iterate type="el" backwards="0">
-                                    <p:tmAbs val="0"/>
-                                  </p:iterate>
-                                  <p:childTnLst>
-                                    <p:set>
-                                      <p:cBhvr>
-                                        <p:cTn id="8" fill="hold"/>
-                                        <p:tgtEl>
-                                          <p:spTgt spid="167">
-                                            <p:txEl>
-                                              <p:pRg st="0" end="0"/>
-                                            </p:txEl>
-                                          </p:spTgt>
-                                        </p:tgtEl>
-                                        <p:attrNameLst>
-                                          <p:attrName>style.visibility</p:attrName>
-                                        </p:attrNameLst>
-                                      </p:cBhvr>
-                                      <p:to>
-                                        <p:strVal val="visible"/>
-                                      </p:to>
-                                    </p:set>
-                                  </p:childTnLst>
-                                </p:cTn>
-                              </p:par>
-                            </p:childTnLst>
-                          </p:cTn>
-                        </p:par>
-                      </p:childTnLst>
-                    </p:cTn>
-                  </p:par>
-                  <p:par>
-                    <p:cTn id="9" fill="hold">
-                      <p:stCondLst>
-                        <p:cond delay="indefinite"/>
-                      </p:stCondLst>
-                      <p:childTnLst>
-                        <p:par>
-                          <p:cTn id="10" fill="hold">
-                            <p:stCondLst>
-                              <p:cond delay="0"/>
-                            </p:stCondLst>
-                            <p:childTnLst>
-                              <p:par>
-                                <p:cTn id="11" presetClass="entr" nodeType="clickEffect" presetSubtype="0" presetID="1" grpId="1" fill="hold">
-                                  <p:stCondLst>
-                                    <p:cond delay="0"/>
-                                  </p:stCondLst>
-                                  <p:iterate type="el" backwards="0">
-                                    <p:tmAbs val="0"/>
-                                  </p:iterate>
-                                  <p:childTnLst>
-                                    <p:set>
-                                      <p:cBhvr>
-                                        <p:cTn id="12" fill="hold"/>
-                                        <p:tgtEl>
-                                          <p:spTgt spid="167">
-                                            <p:txEl>
-                                              <p:pRg st="1" end="1"/>
-                                            </p:txEl>
-                                          </p:spTgt>
-                                        </p:tgtEl>
-                                        <p:attrNameLst>
-                                          <p:attrName>style.visibility</p:attrName>
-                                        </p:attrNameLst>
-                                      </p:cBhvr>
-                                      <p:to>
-                                        <p:strVal val="visible"/>
-                                      </p:to>
-                                    </p:set>
-                                  </p:childTnLst>
-                                </p:cTn>
-                              </p:par>
-                            </p:childTnLst>
-                          </p:cTn>
-                        </p:par>
-                      </p:childTnLst>
-                    </p:cTn>
-                  </p:par>
-                  <p:par>
-                    <p:cTn id="13" fill="hold">
-                      <p:stCondLst>
-                        <p:cond delay="indefinite"/>
-                      </p:stCondLst>
-                      <p:childTnLst>
-                        <p:par>
-                          <p:cTn id="14" fill="hold">
-                            <p:stCondLst>
-                              <p:cond delay="0"/>
-                            </p:stCondLst>
-                            <p:childTnLst>
-                              <p:par>
-                                <p:cTn id="15" presetClass="entr" nodeType="clickEffect" presetSubtype="0" presetID="1" grpId="1" fill="hold">
-                                  <p:stCondLst>
-                                    <p:cond delay="0"/>
-                                  </p:stCondLst>
-                                  <p:iterate type="el" backwards="0">
-                                    <p:tmAbs val="0"/>
-                                  </p:iterate>
-                                  <p:childTnLst>
-                                    <p:set>
-                                      <p:cBhvr>
-                                        <p:cTn id="16" fill="hold"/>
-                                        <p:tgtEl>
-                                          <p:spTgt spid="167">
-                                            <p:txEl>
-                                              <p:pRg st="2" end="2"/>
-                                            </p:txEl>
-                                          </p:spTgt>
-                                        </p:tgtEl>
-                                        <p:attrNameLst>
-                                          <p:attrName>style.visibility</p:attrName>
-                                        </p:attrNameLst>
-                                      </p:cBhvr>
-                                      <p:to>
-                                        <p:strVal val="visible"/>
-                                      </p:to>
-                                    </p:set>
-                                  </p:childTnLst>
-                                </p:cTn>
-                              </p:par>
-                            </p:childTnLst>
-                          </p:cTn>
-                        </p:par>
-                      </p:childTnLst>
-                    </p:cTn>
-                  </p:par>
-                  <p:par>
-                    <p:cTn id="17" fill="hold">
-                      <p:stCondLst>
-                        <p:cond delay="indefinite"/>
-                      </p:stCondLst>
-                      <p:childTnLst>
-                        <p:par>
-                          <p:cTn id="18" fill="hold">
-                            <p:stCondLst>
-                              <p:cond delay="0"/>
-                            </p:stCondLst>
-                            <p:childTnLst>
-                              <p:par>
-                                <p:cTn id="19" presetClass="entr" nodeType="clickEffect" presetSubtype="0" presetID="1" grpId="1" fill="hold">
-                                  <p:stCondLst>
-                                    <p:cond delay="0"/>
-                                  </p:stCondLst>
-                                  <p:iterate type="el" backwards="0">
-                                    <p:tmAbs val="0"/>
-                                  </p:iterate>
-                                  <p:childTnLst>
-                                    <p:set>
-                                      <p:cBhvr>
-                                        <p:cTn id="20" fill="hold"/>
-                                        <p:tgtEl>
-                                          <p:spTgt spid="167">
-                                            <p:txEl>
-                                              <p:pRg st="3" end="3"/>
-                                            </p:txEl>
-                                          </p:spTgt>
-                                        </p:tgtEl>
-                                        <p:attrNameLst>
-                                          <p:attrName>style.visibility</p:attrName>
-                                        </p:attrNameLst>
-                                      </p:cBhvr>
-                                      <p:to>
-                                        <p:strVal val="visible"/>
-                                      </p:to>
-                                    </p:set>
-                                  </p:childTnLst>
-                                </p:cTn>
-                              </p:par>
-                            </p:childTnLst>
-                          </p:cTn>
-                        </p:par>
-                      </p:childTnLst>
-                    </p:cTn>
-                  </p:par>
-                  <p:par>
-                    <p:cTn id="21" fill="hold">
-                      <p:stCondLst>
-                        <p:cond delay="indefinite"/>
-                      </p:stCondLst>
-                      <p:childTnLst>
-                        <p:par>
-                          <p:cTn id="22" fill="hold">
-                            <p:stCondLst>
-                              <p:cond delay="0"/>
-                            </p:stCondLst>
-                            <p:childTnLst>
-                              <p:par>
-                                <p:cTn id="23" presetClass="entr" nodeType="clickEffect" presetSubtype="0" presetID="1" grpId="1" fill="hold">
-                                  <p:stCondLst>
-                                    <p:cond delay="0"/>
-                                  </p:stCondLst>
-                                  <p:iterate type="el" backwards="0">
-                                    <p:tmAbs val="0"/>
-                                  </p:iterate>
-                                  <p:childTnLst>
-                                    <p:set>
-                                      <p:cBhvr>
-                                        <p:cTn id="24" fill="hold"/>
-                                        <p:tgtEl>
-                                          <p:spTgt spid="167">
-                                            <p:txEl>
-                                              <p:pRg st="4" end="4"/>
-                                            </p:txEl>
-                                          </p:spTgt>
-                                        </p:tgtEl>
-                                        <p:attrNameLst>
-                                          <p:attrName>style.visibility</p:attrName>
-                                        </p:attrNameLst>
-                                      </p:cBhvr>
-                                      <p:to>
-                                        <p:strVal val="visible"/>
-                                      </p:to>
-                                    </p:set>
-                                  </p:childTnLst>
-                                </p:cTn>
-                              </p:par>
-                            </p:childTnLst>
-                          </p:cTn>
-                        </p:par>
-                      </p:childTnLst>
-                    </p:cTn>
-                  </p:par>
-                  <p:par>
-                    <p:cTn id="25" fill="hold">
-                      <p:stCondLst>
-                        <p:cond delay="indefinite"/>
-                      </p:stCondLst>
-                      <p:childTnLst>
-                        <p:par>
-                          <p:cTn id="26" fill="hold">
-                            <p:stCondLst>
-                              <p:cond delay="0"/>
-                            </p:stCondLst>
-                            <p:childTnLst>
-                              <p:par>
-                                <p:cTn id="27" presetClass="entr" nodeType="clickEffect" presetSubtype="0" presetID="1" grpId="1" fill="hold">
-                                  <p:stCondLst>
-                                    <p:cond delay="0"/>
-                                  </p:stCondLst>
-                                  <p:iterate type="el" backwards="0">
-                                    <p:tmAbs val="0"/>
-                                  </p:iterate>
-                                  <p:childTnLst>
-                                    <p:set>
-                                      <p:cBhvr>
-                                        <p:cTn id="28" fill="hold"/>
-                                        <p:tgtEl>
-                                          <p:spTgt spid="167">
-                                            <p:txEl>
-                                              <p:pRg st="5" end="5"/>
-                                            </p:txEl>
-                                          </p:spTgt>
-                                        </p:tgtEl>
-                                        <p:attrNameLst>
-                                          <p:attrName>style.visibility</p:attrName>
-                                        </p:attrNameLst>
-                                      </p:cBhvr>
-                                      <p:to>
-                                        <p:strVal val="visible"/>
-                                      </p:to>
-                                    </p:set>
-                                  </p:childTnLst>
-                                </p:cTn>
-                              </p:par>
-                            </p:childTnLst>
-                          </p:cTn>
-                        </p:par>
-                      </p:childTnLst>
-                    </p:cTn>
-                  </p:par>
-                  <p:par>
-                    <p:cTn id="29" fill="hold">
-                      <p:stCondLst>
-                        <p:cond delay="indefinite"/>
-                      </p:stCondLst>
-                      <p:childTnLst>
-                        <p:par>
-                          <p:cTn id="30" fill="hold">
-                            <p:stCondLst>
-                              <p:cond delay="0"/>
-                            </p:stCondLst>
-                            <p:childTnLst>
-                              <p:par>
-                                <p:cTn id="31" presetClass="entr" nodeType="clickEffect" presetSubtype="0" presetID="1" grpId="1" fill="hold">
-                                  <p:stCondLst>
-                                    <p:cond delay="0"/>
-                                  </p:stCondLst>
-                                  <p:iterate type="el" backwards="0">
-                                    <p:tmAbs val="0"/>
-                                  </p:iterate>
-                                  <p:childTnLst>
-                                    <p:set>
-                                      <p:cBhvr>
-                                        <p:cTn id="32" fill="hold"/>
-                                        <p:tgtEl>
-                                          <p:spTgt spid="167">
-                                            <p:txEl>
-                                              <p:pRg st="6" end="6"/>
-                                            </p:txEl>
-                                          </p:spTgt>
-                                        </p:tgtEl>
-                                        <p:attrNameLst>
-                                          <p:attrName>style.visibility</p:attrName>
-                                        </p:attrNameLst>
-                                      </p:cBhvr>
-                                      <p:to>
-                                        <p:strVal val="visible"/>
-                                      </p:to>
-                                    </p:set>
-                                  </p:childTnLst>
-                                </p:cTn>
-                              </p:par>
-                            </p:childTnLst>
-                          </p:cTn>
-                        </p:par>
-                      </p:childTnLst>
-                    </p:cTn>
-                  </p:par>
-                </p:childTnLst>
-              </p:cTn>
-              <p:prevCondLst>
-                <p:cond evt="onPrev">
-                  <p:tgtEl>
-                    <p:sldTgt/>
-                  </p:tgtEl>
-                </p:cond>
-              </p:prevCondLst>
-              <p:nextCondLst>
-                <p:cond evt="onNext">
-                  <p:tgtEl>
-                    <p:sldTgt/>
-                  </p:tgtEl>
-                </p:cond>
-              </p:nextCondLst>
-            </p:seq>
-          </p:childTnLst>
-        </p:cTn>
-      </p:par>
-    </p:tnLst>
-    <p:bldLst>
-      <p:bldP build="p" bldLvl="5" animBg="1" rev="0" advAuto="0" spid="167" grpId="1"/>
-    </p:bldLst>
-  </p:timing>
 </p:sld>
 </file>
 
@@ -3819,7 +3707,7 @@
       </p:grpSpPr>
       <p:pic>
         <p:nvPicPr>
-          <p:cNvPr id="169" name="TheEnd_photo.jpg" descr="TheEnd_photo.jpg"/>
+          <p:cNvPr id="170" name="TheEnd_photo.jpg" descr="TheEnd_photo.jpg"/>
           <p:cNvPicPr>
             <a:picLocks noChangeAspect="1"/>
           </p:cNvPicPr>
@@ -3901,7 +3789,7 @@
       </p:grpSpPr>
       <p:sp>
         <p:nvSpPr>
-          <p:cNvPr id="172" name="Appendix"/>
+          <p:cNvPr id="173" name="Appendix"/>
           <p:cNvSpPr txBox="1"/>
           <p:nvPr>
             <p:ph type="title" idx="4294967295"/>
@@ -3937,7 +3825,7 @@
       </p:sp>
       <p:pic>
         <p:nvPicPr>
-          <p:cNvPr id="173" name="Residual_Results.png" descr="Residual_Results.png"/>
+          <p:cNvPr id="174" name="Residual_Results.png" descr="Residual_Results.png"/>
           <p:cNvPicPr>
             <a:picLocks noChangeAspect="1"/>
           </p:cNvPicPr>
@@ -3966,7 +3854,7 @@
       </p:pic>
       <p:sp>
         <p:nvSpPr>
-          <p:cNvPr id="174" name="Residual Error vs IMDb Movie Rating"/>
+          <p:cNvPr id="175" name="Residual Error vs IMDb Movie Rating"/>
           <p:cNvSpPr txBox="1"/>
           <p:nvPr/>
         </p:nvSpPr>
@@ -4017,6 +3905,649 @@
     <a:masterClrMapping/>
   </p:clrMapOvr>
   <p:transition xmlns:p14="http://schemas.microsoft.com/office/powerpoint/2010/main" spd="med" advClick="1"/>
+</p:sld>
+</file>
+
+<file path=ppt/slides/slide14.xml><?xml version="1.0" encoding="utf-8"?>
+<p:sld xmlns:a="http://schemas.openxmlformats.org/drawingml/2006/main" xmlns:r="http://schemas.openxmlformats.org/officeDocument/2006/relationships" xmlns:p="http://schemas.openxmlformats.org/presentationml/2006/main" xmlns:m="http://schemas.openxmlformats.org/officeDocument/2006/math" xmlns:a14="http://schemas.microsoft.com/office/drawing/2010/main" showMasterSp="1" showMasterPhAnim="1">
+  <p:cSld>
+    <p:spTree>
+      <p:nvGrpSpPr>
+        <p:cNvPr id="1" name=""/>
+        <p:cNvGrpSpPr/>
+        <p:nvPr/>
+      </p:nvGrpSpPr>
+      <p:grpSpPr>
+        <a:xfrm>
+          <a:off x="0" y="0"/>
+          <a:ext cx="0" cy="0"/>
+          <a:chOff x="0" y="0"/>
+          <a:chExt cx="0" cy="0"/>
+        </a:xfrm>
+      </p:grpSpPr>
+      <p:sp>
+        <p:nvSpPr>
+          <p:cNvPr id="177" name="Analysis"/>
+          <p:cNvSpPr txBox="1"/>
+          <p:nvPr>
+            <p:ph type="title" idx="4294967295"/>
+          </p:nvPr>
+        </p:nvSpPr>
+        <p:spPr>
+          <a:xfrm>
+            <a:off x="1790700" y="571500"/>
+            <a:ext cx="20815300" cy="2027536"/>
+          </a:xfrm>
+          <a:prstGeom prst="rect">
+            <a:avLst/>
+          </a:prstGeom>
+        </p:spPr>
+        <p:txBody>
+          <a:bodyPr/>
+          <a:lstStyle>
+            <a:lvl1pPr algn="l">
+              <a:defRPr sz="10000">
+                <a:solidFill>
+                  <a:srgbClr val="000000"/>
+                </a:solidFill>
+              </a:defRPr>
+            </a:lvl1pPr>
+          </a:lstStyle>
+          <a:p>
+            <a:pPr/>
+            <a:r>
+              <a:t>Analysis</a:t>
+            </a:r>
+          </a:p>
+        </p:txBody>
+      </p:sp>
+      <p:pic>
+        <p:nvPicPr>
+          <p:cNvPr id="178" name="SalesVsBudget_All.png" descr="SalesVsBudget_All.png"/>
+          <p:cNvPicPr>
+            <a:picLocks noChangeAspect="1"/>
+          </p:cNvPicPr>
+          <p:nvPr/>
+        </p:nvPicPr>
+        <p:blipFill>
+          <a:blip r:embed="rId2">
+            <a:extLst/>
+          </a:blip>
+          <a:srcRect l="0" t="5863" r="0" b="0"/>
+          <a:stretch>
+            <a:fillRect/>
+          </a:stretch>
+        </p:blipFill>
+        <p:spPr>
+          <a:xfrm>
+            <a:off x="9648079" y="2736254"/>
+            <a:ext cx="13993733" cy="9879946"/>
+          </a:xfrm>
+          <a:prstGeom prst="rect">
+            <a:avLst/>
+          </a:prstGeom>
+          <a:ln w="12700">
+            <a:miter lim="400000"/>
+          </a:ln>
+        </p:spPr>
+      </p:pic>
+      <p:sp>
+        <p:nvSpPr>
+          <p:cNvPr id="179" name="Sales versus budget for all movies  (n = 5887)"/>
+          <p:cNvSpPr txBox="1"/>
+          <p:nvPr/>
+        </p:nvSpPr>
+        <p:spPr>
+          <a:xfrm>
+            <a:off x="9800574" y="1572567"/>
+            <a:ext cx="13688823" cy="889001"/>
+          </a:xfrm>
+          <a:prstGeom prst="rect">
+            <a:avLst/>
+          </a:prstGeom>
+          <a:ln w="12700">
+            <a:miter lim="400000"/>
+          </a:ln>
+          <a:extLst>
+            <a:ext uri="{C572A759-6A51-4108-AA02-DFA0A04FC94B}">
+              <ma14:wrappingTextBoxFlag xmlns:ma14="http://schemas.microsoft.com/office/mac/drawingml/2011/main" val="1"/>
+            </a:ext>
+          </a:extLst>
+        </p:spPr>
+        <p:txBody>
+          <a:bodyPr wrap="none" lIns="50800" tIns="50800" rIns="50800" bIns="50800" anchor="ctr">
+            <a:spAutoFit/>
+          </a:bodyPr>
+          <a:lstStyle/>
+          <a:p>
+            <a:pPr>
+              <a:defRPr>
+                <a:solidFill>
+                  <a:schemeClr val="accent1">
+                    <a:hueOff val="203713"/>
+                    <a:lumOff val="-13818"/>
+                  </a:schemeClr>
+                </a:solidFill>
+              </a:defRPr>
+            </a:pPr>
+            <a:r>
+              <a:t>Sales versus budget for </a:t>
+            </a:r>
+            <a:r>
+              <a:rPr i="1">
+                <a:latin typeface="Helvetica"/>
+                <a:ea typeface="Helvetica"/>
+                <a:cs typeface="Helvetica"/>
+                <a:sym typeface="Helvetica"/>
+              </a:rPr>
+              <a:t>all movies</a:t>
+            </a:r>
+            <a:r>
+              <a:t>  (n = 5887)</a:t>
+            </a:r>
+          </a:p>
+        </p:txBody>
+      </p:sp>
+      <p:sp>
+        <p:nvSpPr>
+          <p:cNvPr id="180" name="Wide variability in box office across all films…"/>
+          <p:cNvSpPr txBox="1"/>
+          <p:nvPr>
+            <p:ph type="body" sz="half" idx="4294967295"/>
+          </p:nvPr>
+        </p:nvSpPr>
+        <p:spPr>
+          <a:xfrm>
+            <a:off x="428823" y="3177579"/>
+            <a:ext cx="8818365" cy="8839201"/>
+          </a:xfrm>
+          <a:prstGeom prst="rect">
+            <a:avLst/>
+          </a:prstGeom>
+        </p:spPr>
+        <p:txBody>
+          <a:bodyPr anchor="t"/>
+          <a:lstStyle/>
+          <a:p>
+            <a:pPr marL="597408" indent="-597408" defTabSz="808990">
+              <a:spcBef>
+                <a:spcPts val="5700"/>
+              </a:spcBef>
+              <a:defRPr sz="5684">
+                <a:solidFill>
+                  <a:srgbClr val="000000"/>
+                </a:solidFill>
+              </a:defRPr>
+            </a:pPr>
+            <a:r>
+              <a:t>Wide </a:t>
+            </a:r>
+            <a:r>
+              <a:rPr b="1">
+                <a:latin typeface="Helvetica"/>
+                <a:ea typeface="Helvetica"/>
+                <a:cs typeface="Helvetica"/>
+                <a:sym typeface="Helvetica"/>
+              </a:rPr>
+              <a:t>variability</a:t>
+            </a:r>
+            <a:r>
+              <a:t> in box office across all films</a:t>
+            </a:r>
+          </a:p>
+          <a:p>
+            <a:pPr marL="597408" indent="-597408" defTabSz="808990">
+              <a:spcBef>
+                <a:spcPts val="3900"/>
+              </a:spcBef>
+              <a:defRPr sz="5684">
+                <a:solidFill>
+                  <a:srgbClr val="000000"/>
+                </a:solidFill>
+              </a:defRPr>
+            </a:pPr>
+            <a:r>
+              <a:t>Good prediction with 1st-order model</a:t>
+            </a:r>
+          </a:p>
+          <a:p>
+            <a:pPr lvl="1" marL="1194816" indent="-597408" defTabSz="808990">
+              <a:spcBef>
+                <a:spcPts val="1100"/>
+              </a:spcBef>
+              <a:defRPr sz="4606">
+                <a:solidFill>
+                  <a:srgbClr val="000000"/>
+                </a:solidFill>
+              </a:defRPr>
+            </a:pPr>
+            <a:r>
+              <a:t>Dominated by budget</a:t>
+            </a:r>
+          </a:p>
+          <a:p>
+            <a:pPr lvl="1" marL="1194816" indent="-597408" defTabSz="808990">
+              <a:spcBef>
+                <a:spcPts val="1100"/>
+              </a:spcBef>
+              <a:defRPr sz="4606">
+                <a:solidFill>
+                  <a:srgbClr val="000000"/>
+                </a:solidFill>
+              </a:defRPr>
+            </a:pPr>
+            <a:r>
+              <a:t>R</a:t>
+            </a:r>
+            <a:r>
+              <a:rPr baseline="31999"/>
+              <a:t>2</a:t>
+            </a:r>
+            <a:r>
+              <a:t> = .483    (log)</a:t>
+            </a:r>
+          </a:p>
+          <a:p>
+            <a:pPr lvl="1" marL="1194816" indent="-597408" defTabSz="808990">
+              <a:spcBef>
+                <a:spcPts val="1100"/>
+              </a:spcBef>
+              <a:defRPr sz="4606">
+                <a:solidFill>
+                  <a:srgbClr val="000000"/>
+                </a:solidFill>
+              </a:defRPr>
+            </a:pPr>
+            <a:r>
+              <a:t>R</a:t>
+            </a:r>
+            <a:r>
+              <a:rPr baseline="31999"/>
+              <a:t>2</a:t>
+            </a:r>
+            <a:r>
+              <a:t> = .421    (original)</a:t>
+            </a:r>
+          </a:p>
+          <a:p>
+            <a:pPr marL="597408" indent="-597408" defTabSz="808990">
+              <a:spcBef>
+                <a:spcPts val="3900"/>
+              </a:spcBef>
+              <a:defRPr sz="5684">
+                <a:solidFill>
+                  <a:srgbClr val="000000"/>
+                </a:solidFill>
+              </a:defRPr>
+            </a:pPr>
+            <a:r>
+              <a:t>Same model on low-budget movies </a:t>
+            </a:r>
+            <a:r>
+              <a:rPr u="sng"/>
+              <a:t>not</a:t>
+            </a:r>
+            <a:r>
+              <a:t> good</a:t>
+            </a:r>
+          </a:p>
+        </p:txBody>
+      </p:sp>
+    </p:spTree>
+  </p:cSld>
+  <p:clrMapOvr>
+    <a:masterClrMapping/>
+  </p:clrMapOvr>
+  <p:transition xmlns:p14="http://schemas.microsoft.com/office/powerpoint/2010/main" spd="med" advClick="1"/>
+  <p:timing>
+    <p:tnLst>
+      <p:par>
+        <p:cTn id="1" nodeType="tmRoot" restart="never" dur="indefinite" fill="hold">
+          <p:childTnLst>
+            <p:seq concurrent="1" prevAc="none" nextAc="seek">
+              <p:cTn id="2" nodeType="mainSeq" dur="indefinite" fill="hold">
+                <p:childTnLst>
+                  <p:par>
+                    <p:cTn id="3" fill="hold">
+                      <p:stCondLst>
+                        <p:cond delay="indefinite"/>
+                      </p:stCondLst>
+                      <p:childTnLst>
+                        <p:par>
+                          <p:cTn id="4" fill="hold">
+                            <p:stCondLst>
+                              <p:cond delay="0"/>
+                            </p:stCondLst>
+                            <p:childTnLst>
+                              <p:par>
+                                <p:cTn id="5" presetClass="entr" nodeType="clickEffect" presetSubtype="0" presetID="1" grpId="1" fill="hold">
+                                  <p:stCondLst>
+                                    <p:cond delay="0"/>
+                                  </p:stCondLst>
+                                  <p:iterate type="el" backwards="0">
+                                    <p:tmAbs val="0"/>
+                                  </p:iterate>
+                                  <p:childTnLst>
+                                    <p:set>
+                                      <p:cBhvr>
+                                        <p:cTn id="6" fill="hold"/>
+                                        <p:tgtEl>
+                                          <p:spTgt spid="180">
+                                            <p:bg/>
+                                          </p:spTgt>
+                                        </p:tgtEl>
+                                        <p:attrNameLst>
+                                          <p:attrName>style.visibility</p:attrName>
+                                        </p:attrNameLst>
+                                      </p:cBhvr>
+                                      <p:to>
+                                        <p:strVal val="visible"/>
+                                      </p:to>
+                                    </p:set>
+                                  </p:childTnLst>
+                                </p:cTn>
+                              </p:par>
+                              <p:par>
+                                <p:cTn id="7" presetClass="entr" nodeType="withEffect" presetSubtype="0" presetID="1" grpId="1" fill="hold">
+                                  <p:stCondLst>
+                                    <p:cond delay="0"/>
+                                  </p:stCondLst>
+                                  <p:iterate type="el" backwards="0">
+                                    <p:tmAbs val="0"/>
+                                  </p:iterate>
+                                  <p:childTnLst>
+                                    <p:set>
+                                      <p:cBhvr>
+                                        <p:cTn id="8" fill="hold"/>
+                                        <p:tgtEl>
+                                          <p:spTgt spid="180">
+                                            <p:txEl>
+                                              <p:pRg st="0" end="0"/>
+                                            </p:txEl>
+                                          </p:spTgt>
+                                        </p:tgtEl>
+                                        <p:attrNameLst>
+                                          <p:attrName>style.visibility</p:attrName>
+                                        </p:attrNameLst>
+                                      </p:cBhvr>
+                                      <p:to>
+                                        <p:strVal val="visible"/>
+                                      </p:to>
+                                    </p:set>
+                                  </p:childTnLst>
+                                </p:cTn>
+                              </p:par>
+                            </p:childTnLst>
+                          </p:cTn>
+                        </p:par>
+                      </p:childTnLst>
+                    </p:cTn>
+                  </p:par>
+                  <p:par>
+                    <p:cTn id="9" fill="hold">
+                      <p:stCondLst>
+                        <p:cond delay="indefinite"/>
+                      </p:stCondLst>
+                      <p:childTnLst>
+                        <p:par>
+                          <p:cTn id="10" fill="hold">
+                            <p:stCondLst>
+                              <p:cond delay="0"/>
+                            </p:stCondLst>
+                            <p:childTnLst>
+                              <p:par>
+                                <p:cTn id="11" presetClass="entr" nodeType="clickEffect" presetSubtype="0" presetID="1" grpId="1" fill="hold">
+                                  <p:stCondLst>
+                                    <p:cond delay="0"/>
+                                  </p:stCondLst>
+                                  <p:iterate type="el" backwards="0">
+                                    <p:tmAbs val="0"/>
+                                  </p:iterate>
+                                  <p:childTnLst>
+                                    <p:set>
+                                      <p:cBhvr>
+                                        <p:cTn id="12" fill="hold"/>
+                                        <p:tgtEl>
+                                          <p:spTgt spid="180">
+                                            <p:txEl>
+                                              <p:pRg st="1" end="1"/>
+                                            </p:txEl>
+                                          </p:spTgt>
+                                        </p:tgtEl>
+                                        <p:attrNameLst>
+                                          <p:attrName>style.visibility</p:attrName>
+                                        </p:attrNameLst>
+                                      </p:cBhvr>
+                                      <p:to>
+                                        <p:strVal val="visible"/>
+                                      </p:to>
+                                    </p:set>
+                                  </p:childTnLst>
+                                </p:cTn>
+                              </p:par>
+                            </p:childTnLst>
+                          </p:cTn>
+                        </p:par>
+                      </p:childTnLst>
+                    </p:cTn>
+                  </p:par>
+                  <p:par>
+                    <p:cTn id="13" fill="hold">
+                      <p:stCondLst>
+                        <p:cond delay="indefinite"/>
+                      </p:stCondLst>
+                      <p:childTnLst>
+                        <p:par>
+                          <p:cTn id="14" fill="hold">
+                            <p:stCondLst>
+                              <p:cond delay="0"/>
+                            </p:stCondLst>
+                            <p:childTnLst>
+                              <p:par>
+                                <p:cTn id="15" presetClass="entr" nodeType="clickEffect" presetSubtype="0" presetID="1" grpId="1" fill="hold">
+                                  <p:stCondLst>
+                                    <p:cond delay="0"/>
+                                  </p:stCondLst>
+                                  <p:iterate type="el" backwards="0">
+                                    <p:tmAbs val="0"/>
+                                  </p:iterate>
+                                  <p:childTnLst>
+                                    <p:set>
+                                      <p:cBhvr>
+                                        <p:cTn id="16" fill="hold"/>
+                                        <p:tgtEl>
+                                          <p:spTgt spid="180">
+                                            <p:txEl>
+                                              <p:pRg st="2" end="2"/>
+                                            </p:txEl>
+                                          </p:spTgt>
+                                        </p:tgtEl>
+                                        <p:attrNameLst>
+                                          <p:attrName>style.visibility</p:attrName>
+                                        </p:attrNameLst>
+                                      </p:cBhvr>
+                                      <p:to>
+                                        <p:strVal val="visible"/>
+                                      </p:to>
+                                    </p:set>
+                                  </p:childTnLst>
+                                </p:cTn>
+                              </p:par>
+                            </p:childTnLst>
+                          </p:cTn>
+                        </p:par>
+                      </p:childTnLst>
+                    </p:cTn>
+                  </p:par>
+                  <p:par>
+                    <p:cTn id="17" fill="hold">
+                      <p:stCondLst>
+                        <p:cond delay="indefinite"/>
+                      </p:stCondLst>
+                      <p:childTnLst>
+                        <p:par>
+                          <p:cTn id="18" fill="hold">
+                            <p:stCondLst>
+                              <p:cond delay="0"/>
+                            </p:stCondLst>
+                            <p:childTnLst>
+                              <p:par>
+                                <p:cTn id="19" presetClass="entr" nodeType="clickEffect" presetSubtype="0" presetID="1" grpId="1" fill="hold">
+                                  <p:stCondLst>
+                                    <p:cond delay="0"/>
+                                  </p:stCondLst>
+                                  <p:iterate type="el" backwards="0">
+                                    <p:tmAbs val="0"/>
+                                  </p:iterate>
+                                  <p:childTnLst>
+                                    <p:set>
+                                      <p:cBhvr>
+                                        <p:cTn id="20" fill="hold"/>
+                                        <p:tgtEl>
+                                          <p:spTgt spid="180">
+                                            <p:txEl>
+                                              <p:pRg st="3" end="3"/>
+                                            </p:txEl>
+                                          </p:spTgt>
+                                        </p:tgtEl>
+                                        <p:attrNameLst>
+                                          <p:attrName>style.visibility</p:attrName>
+                                        </p:attrNameLst>
+                                      </p:cBhvr>
+                                      <p:to>
+                                        <p:strVal val="visible"/>
+                                      </p:to>
+                                    </p:set>
+                                  </p:childTnLst>
+                                </p:cTn>
+                              </p:par>
+                            </p:childTnLst>
+                          </p:cTn>
+                        </p:par>
+                      </p:childTnLst>
+                    </p:cTn>
+                  </p:par>
+                  <p:par>
+                    <p:cTn id="21" fill="hold">
+                      <p:stCondLst>
+                        <p:cond delay="indefinite"/>
+                      </p:stCondLst>
+                      <p:childTnLst>
+                        <p:par>
+                          <p:cTn id="22" fill="hold">
+                            <p:stCondLst>
+                              <p:cond delay="0"/>
+                            </p:stCondLst>
+                            <p:childTnLst>
+                              <p:par>
+                                <p:cTn id="23" presetClass="entr" nodeType="clickEffect" presetSubtype="0" presetID="1" grpId="1" fill="hold">
+                                  <p:stCondLst>
+                                    <p:cond delay="0"/>
+                                  </p:stCondLst>
+                                  <p:iterate type="el" backwards="0">
+                                    <p:tmAbs val="0"/>
+                                  </p:iterate>
+                                  <p:childTnLst>
+                                    <p:set>
+                                      <p:cBhvr>
+                                        <p:cTn id="24" fill="hold"/>
+                                        <p:tgtEl>
+                                          <p:spTgt spid="180">
+                                            <p:txEl>
+                                              <p:pRg st="4" end="4"/>
+                                            </p:txEl>
+                                          </p:spTgt>
+                                        </p:tgtEl>
+                                        <p:attrNameLst>
+                                          <p:attrName>style.visibility</p:attrName>
+                                        </p:attrNameLst>
+                                      </p:cBhvr>
+                                      <p:to>
+                                        <p:strVal val="visible"/>
+                                      </p:to>
+                                    </p:set>
+                                  </p:childTnLst>
+                                </p:cTn>
+                              </p:par>
+                            </p:childTnLst>
+                          </p:cTn>
+                        </p:par>
+                      </p:childTnLst>
+                    </p:cTn>
+                  </p:par>
+                  <p:par>
+                    <p:cTn id="25" fill="hold">
+                      <p:stCondLst>
+                        <p:cond delay="indefinite"/>
+                      </p:stCondLst>
+                      <p:childTnLst>
+                        <p:par>
+                          <p:cTn id="26" fill="hold">
+                            <p:stCondLst>
+                              <p:cond delay="0"/>
+                            </p:stCondLst>
+                            <p:childTnLst>
+                              <p:par>
+                                <p:cTn id="27" presetClass="entr" nodeType="clickEffect" presetSubtype="0" presetID="1" grpId="1" fill="hold">
+                                  <p:stCondLst>
+                                    <p:cond delay="0"/>
+                                  </p:stCondLst>
+                                  <p:iterate type="el" backwards="0">
+                                    <p:tmAbs val="0"/>
+                                  </p:iterate>
+                                  <p:childTnLst>
+                                    <p:set>
+                                      <p:cBhvr>
+                                        <p:cTn id="28" fill="hold"/>
+                                        <p:tgtEl>
+                                          <p:spTgt spid="180">
+                                            <p:txEl>
+                                              <p:pRg st="5" end="5"/>
+                                            </p:txEl>
+                                          </p:spTgt>
+                                        </p:tgtEl>
+                                        <p:attrNameLst>
+                                          <p:attrName>style.visibility</p:attrName>
+                                        </p:attrNameLst>
+                                      </p:cBhvr>
+                                      <p:to>
+                                        <p:strVal val="visible"/>
+                                      </p:to>
+                                    </p:set>
+                                  </p:childTnLst>
+                                </p:cTn>
+                              </p:par>
+                            </p:childTnLst>
+                          </p:cTn>
+                        </p:par>
+                      </p:childTnLst>
+                    </p:cTn>
+                  </p:par>
+                </p:childTnLst>
+              </p:cTn>
+              <p:prevCondLst>
+                <p:cond evt="onPrev">
+                  <p:tgtEl>
+                    <p:sldTgt/>
+                  </p:tgtEl>
+                </p:cond>
+              </p:prevCondLst>
+              <p:nextCondLst>
+                <p:cond evt="onNext">
+                  <p:tgtEl>
+                    <p:sldTgt/>
+                  </p:tgtEl>
+                </p:cond>
+              </p:nextCondLst>
+            </p:seq>
+          </p:childTnLst>
+        </p:cTn>
+      </p:par>
+    </p:tnLst>
+    <p:bldLst>
+      <p:bldP build="p" bldLvl="5" animBg="1" rev="0" advAuto="0" spid="180" grpId="1"/>
+    </p:bldLst>
+  </p:timing>
 </p:sld>
 </file>
 
@@ -4533,10 +5064,10 @@
       </p:par>
     </p:tnLst>
     <p:bldLst>
+      <p:bldP build="whole" bldLvl="1" animBg="1" rev="0" advAuto="0" spid="127" grpId="3"/>
       <p:bldP build="whole" bldLvl="1" animBg="1" rev="0" advAuto="0" spid="129" grpId="4"/>
-      <p:bldP build="whole" bldLvl="1" animBg="1" rev="0" advAuto="0" spid="127" grpId="3"/>
+      <p:bldP build="whole" bldLvl="1" animBg="1" rev="0" advAuto="0" spid="128" grpId="2"/>
       <p:bldP build="whole" bldLvl="1" animBg="1" rev="0" advAuto="0" spid="124" grpId="1"/>
-      <p:bldP build="whole" bldLvl="1" animBg="1" rev="0" advAuto="0" spid="128" grpId="2"/>
     </p:bldLst>
   </p:timing>
 </p:sld>
@@ -4661,7 +5192,11 @@
               </a:defRPr>
             </a:pPr>
             <a:r>
-              <a:t>What determines box office success?</a:t>
+              <a:rPr u="sng"/>
+              <a:t>My question</a:t>
+            </a:r>
+            <a:r>
+              <a:t>: What determines box office success?</a:t>
             </a:r>
           </a:p>
           <a:p>
@@ -4687,7 +5222,20 @@
               </a:defRPr>
             </a:pPr>
             <a:r>
-              <a:t>Based on factors available at release</a:t>
+              <a:t>Using known factors available at release</a:t>
+            </a:r>
+          </a:p>
+          <a:p>
+            <a:pPr lvl="8" marL="7848600">
+              <a:buChar char="➡"/>
+              <a:defRPr>
+                <a:solidFill>
+                  <a:srgbClr val="000000"/>
+                </a:solidFill>
+              </a:defRPr>
+            </a:pPr>
+            <a:r>
+              <a:t>(But not whether Meryl Streep will be in it)</a:t>
             </a:r>
           </a:p>
         </p:txBody>
@@ -4906,6 +5454,54 @@
                                           <p:spTgt spid="133">
                                             <p:txEl>
                                               <p:pRg st="3" end="3"/>
+                                            </p:txEl>
+                                          </p:spTgt>
+                                        </p:tgtEl>
+                                        <p:attrNameLst>
+                                          <p:attrName>style.visibility</p:attrName>
+                                        </p:attrNameLst>
+                                      </p:cBhvr>
+                                      <p:to>
+                                        <p:strVal val="visible"/>
+                                      </p:to>
+                                    </p:set>
+                                  </p:childTnLst>
+                                </p:cTn>
+                              </p:par>
+                            </p:childTnLst>
+                          </p:cTn>
+                        </p:par>
+                      </p:childTnLst>
+                    </p:cTn>
+                  </p:par>
+                  <p:par>
+                    <p:cTn id="21" fill="hold">
+                      <p:stCondLst>
+                        <p:cond delay="indefinite"/>
+                      </p:stCondLst>
+                      <p:childTnLst>
+                        <p:par>
+                          <p:cTn id="22" fill="hold">
+                            <p:stCondLst>
+                              <p:cond delay="0"/>
+                            </p:stCondLst>
+                            <p:childTnLst>
+                              <p:par>
+                                <p:cTn id="23" presetClass="entr" nodeType="clickEffect" presetSubtype="0" presetID="1" grpId="1" fill="hold">
+                                  <p:stCondLst>
+                                    <p:cond delay="0"/>
+                                  </p:stCondLst>
+                                  <p:iterate type="el" backwards="0">
+                                    <p:tmAbs val="0"/>
+                                  </p:iterate>
+                                  <p:childTnLst>
+                                    <p:set>
+                                      <p:cBhvr>
+                                        <p:cTn id="24" fill="hold"/>
+                                        <p:tgtEl>
+                                          <p:spTgt spid="133">
+                                            <p:txEl>
+                                              <p:pRg st="4" end="4"/>
                                             </p:txEl>
                                           </p:spTgt>
                                         </p:tgtEl>
@@ -6047,355 +6643,6 @@
     <a:masterClrMapping/>
   </p:clrMapOvr>
   <p:transition xmlns:p14="http://schemas.microsoft.com/office/powerpoint/2010/main" spd="med" advClick="1"/>
-  <p:timing>
-    <p:tnLst>
-      <p:par>
-        <p:cTn id="1" nodeType="tmRoot" restart="never" dur="indefinite" fill="hold">
-          <p:childTnLst>
-            <p:seq concurrent="1" prevAc="none" nextAc="seek">
-              <p:cTn id="2" nodeType="mainSeq" dur="indefinite" fill="hold">
-                <p:childTnLst>
-                  <p:par>
-                    <p:cTn id="3" fill="hold">
-                      <p:stCondLst>
-                        <p:cond delay="indefinite"/>
-                      </p:stCondLst>
-                      <p:childTnLst>
-                        <p:par>
-                          <p:cTn id="4" fill="hold">
-                            <p:stCondLst>
-                              <p:cond delay="0"/>
-                            </p:stCondLst>
-                            <p:childTnLst>
-                              <p:par>
-                                <p:cTn id="5" presetClass="entr" nodeType="clickEffect" presetSubtype="0" presetID="1" grpId="1" fill="hold">
-                                  <p:stCondLst>
-                                    <p:cond delay="0"/>
-                                  </p:stCondLst>
-                                  <p:iterate type="el" backwards="0">
-                                    <p:tmAbs val="0"/>
-                                  </p:iterate>
-                                  <p:childTnLst>
-                                    <p:set>
-                                      <p:cBhvr>
-                                        <p:cTn id="6" fill="hold"/>
-                                        <p:tgtEl>
-                                          <p:spTgt spid="136">
-                                            <p:bg/>
-                                          </p:spTgt>
-                                        </p:tgtEl>
-                                        <p:attrNameLst>
-                                          <p:attrName>style.visibility</p:attrName>
-                                        </p:attrNameLst>
-                                      </p:cBhvr>
-                                      <p:to>
-                                        <p:strVal val="visible"/>
-                                      </p:to>
-                                    </p:set>
-                                  </p:childTnLst>
-                                </p:cTn>
-                              </p:par>
-                              <p:par>
-                                <p:cTn id="7" presetClass="entr" nodeType="withEffect" presetSubtype="0" presetID="1" grpId="1" fill="hold">
-                                  <p:stCondLst>
-                                    <p:cond delay="0"/>
-                                  </p:stCondLst>
-                                  <p:iterate type="el" backwards="0">
-                                    <p:tmAbs val="0"/>
-                                  </p:iterate>
-                                  <p:childTnLst>
-                                    <p:set>
-                                      <p:cBhvr>
-                                        <p:cTn id="8" fill="hold"/>
-                                        <p:tgtEl>
-                                          <p:spTgt spid="136">
-                                            <p:txEl>
-                                              <p:pRg st="0" end="0"/>
-                                            </p:txEl>
-                                          </p:spTgt>
-                                        </p:tgtEl>
-                                        <p:attrNameLst>
-                                          <p:attrName>style.visibility</p:attrName>
-                                        </p:attrNameLst>
-                                      </p:cBhvr>
-                                      <p:to>
-                                        <p:strVal val="visible"/>
-                                      </p:to>
-                                    </p:set>
-                                  </p:childTnLst>
-                                </p:cTn>
-                              </p:par>
-                            </p:childTnLst>
-                          </p:cTn>
-                        </p:par>
-                      </p:childTnLst>
-                    </p:cTn>
-                  </p:par>
-                  <p:par>
-                    <p:cTn id="9" fill="hold">
-                      <p:stCondLst>
-                        <p:cond delay="indefinite"/>
-                      </p:stCondLst>
-                      <p:childTnLst>
-                        <p:par>
-                          <p:cTn id="10" fill="hold">
-                            <p:stCondLst>
-                              <p:cond delay="0"/>
-                            </p:stCondLst>
-                            <p:childTnLst>
-                              <p:par>
-                                <p:cTn id="11" presetClass="entr" nodeType="clickEffect" presetSubtype="0" presetID="1" grpId="1" fill="hold">
-                                  <p:stCondLst>
-                                    <p:cond delay="0"/>
-                                  </p:stCondLst>
-                                  <p:iterate type="el" backwards="0">
-                                    <p:tmAbs val="0"/>
-                                  </p:iterate>
-                                  <p:childTnLst>
-                                    <p:set>
-                                      <p:cBhvr>
-                                        <p:cTn id="12" fill="hold"/>
-                                        <p:tgtEl>
-                                          <p:spTgt spid="136">
-                                            <p:txEl>
-                                              <p:pRg st="1" end="1"/>
-                                            </p:txEl>
-                                          </p:spTgt>
-                                        </p:tgtEl>
-                                        <p:attrNameLst>
-                                          <p:attrName>style.visibility</p:attrName>
-                                        </p:attrNameLst>
-                                      </p:cBhvr>
-                                      <p:to>
-                                        <p:strVal val="visible"/>
-                                      </p:to>
-                                    </p:set>
-                                  </p:childTnLst>
-                                </p:cTn>
-                              </p:par>
-                            </p:childTnLst>
-                          </p:cTn>
-                        </p:par>
-                      </p:childTnLst>
-                    </p:cTn>
-                  </p:par>
-                  <p:par>
-                    <p:cTn id="13" fill="hold">
-                      <p:stCondLst>
-                        <p:cond delay="indefinite"/>
-                      </p:stCondLst>
-                      <p:childTnLst>
-                        <p:par>
-                          <p:cTn id="14" fill="hold">
-                            <p:stCondLst>
-                              <p:cond delay="0"/>
-                            </p:stCondLst>
-                            <p:childTnLst>
-                              <p:par>
-                                <p:cTn id="15" presetClass="entr" nodeType="clickEffect" presetSubtype="0" presetID="1" grpId="1" fill="hold">
-                                  <p:stCondLst>
-                                    <p:cond delay="0"/>
-                                  </p:stCondLst>
-                                  <p:iterate type="el" backwards="0">
-                                    <p:tmAbs val="0"/>
-                                  </p:iterate>
-                                  <p:childTnLst>
-                                    <p:set>
-                                      <p:cBhvr>
-                                        <p:cTn id="16" fill="hold"/>
-                                        <p:tgtEl>
-                                          <p:spTgt spid="136">
-                                            <p:txEl>
-                                              <p:pRg st="2" end="2"/>
-                                            </p:txEl>
-                                          </p:spTgt>
-                                        </p:tgtEl>
-                                        <p:attrNameLst>
-                                          <p:attrName>style.visibility</p:attrName>
-                                        </p:attrNameLst>
-                                      </p:cBhvr>
-                                      <p:to>
-                                        <p:strVal val="visible"/>
-                                      </p:to>
-                                    </p:set>
-                                  </p:childTnLst>
-                                </p:cTn>
-                              </p:par>
-                            </p:childTnLst>
-                          </p:cTn>
-                        </p:par>
-                      </p:childTnLst>
-                    </p:cTn>
-                  </p:par>
-                  <p:par>
-                    <p:cTn id="17" fill="hold">
-                      <p:stCondLst>
-                        <p:cond delay="indefinite"/>
-                      </p:stCondLst>
-                      <p:childTnLst>
-                        <p:par>
-                          <p:cTn id="18" fill="hold">
-                            <p:stCondLst>
-                              <p:cond delay="0"/>
-                            </p:stCondLst>
-                            <p:childTnLst>
-                              <p:par>
-                                <p:cTn id="19" presetClass="entr" nodeType="clickEffect" presetSubtype="0" presetID="1" grpId="1" fill="hold">
-                                  <p:stCondLst>
-                                    <p:cond delay="0"/>
-                                  </p:stCondLst>
-                                  <p:iterate type="el" backwards="0">
-                                    <p:tmAbs val="0"/>
-                                  </p:iterate>
-                                  <p:childTnLst>
-                                    <p:set>
-                                      <p:cBhvr>
-                                        <p:cTn id="20" fill="hold"/>
-                                        <p:tgtEl>
-                                          <p:spTgt spid="136">
-                                            <p:txEl>
-                                              <p:pRg st="3" end="3"/>
-                                            </p:txEl>
-                                          </p:spTgt>
-                                        </p:tgtEl>
-                                        <p:attrNameLst>
-                                          <p:attrName>style.visibility</p:attrName>
-                                        </p:attrNameLst>
-                                      </p:cBhvr>
-                                      <p:to>
-                                        <p:strVal val="visible"/>
-                                      </p:to>
-                                    </p:set>
-                                  </p:childTnLst>
-                                </p:cTn>
-                              </p:par>
-                            </p:childTnLst>
-                          </p:cTn>
-                        </p:par>
-                      </p:childTnLst>
-                    </p:cTn>
-                  </p:par>
-                  <p:par>
-                    <p:cTn id="21" fill="hold">
-                      <p:stCondLst>
-                        <p:cond delay="indefinite"/>
-                      </p:stCondLst>
-                      <p:childTnLst>
-                        <p:par>
-                          <p:cTn id="22" fill="hold">
-                            <p:stCondLst>
-                              <p:cond delay="0"/>
-                            </p:stCondLst>
-                            <p:childTnLst>
-                              <p:par>
-                                <p:cTn id="23" presetClass="entr" nodeType="clickEffect" presetSubtype="0" presetID="1" grpId="1" fill="hold">
-                                  <p:stCondLst>
-                                    <p:cond delay="0"/>
-                                  </p:stCondLst>
-                                  <p:iterate type="el" backwards="0">
-                                    <p:tmAbs val="0"/>
-                                  </p:iterate>
-                                  <p:childTnLst>
-                                    <p:set>
-                                      <p:cBhvr>
-                                        <p:cTn id="24" fill="hold"/>
-                                        <p:tgtEl>
-                                          <p:spTgt spid="136">
-                                            <p:txEl>
-                                              <p:pRg st="4" end="4"/>
-                                            </p:txEl>
-                                          </p:spTgt>
-                                        </p:tgtEl>
-                                        <p:attrNameLst>
-                                          <p:attrName>style.visibility</p:attrName>
-                                        </p:attrNameLst>
-                                      </p:cBhvr>
-                                      <p:to>
-                                        <p:strVal val="visible"/>
-                                      </p:to>
-                                    </p:set>
-                                  </p:childTnLst>
-                                </p:cTn>
-                              </p:par>
-                            </p:childTnLst>
-                          </p:cTn>
-                        </p:par>
-                      </p:childTnLst>
-                    </p:cTn>
-                  </p:par>
-                  <p:par>
-                    <p:cTn id="25" fill="hold">
-                      <p:stCondLst>
-                        <p:cond delay="indefinite"/>
-                      </p:stCondLst>
-                      <p:childTnLst>
-                        <p:par>
-                          <p:cTn id="26" fill="hold">
-                            <p:stCondLst>
-                              <p:cond delay="0"/>
-                            </p:stCondLst>
-                            <p:childTnLst>
-                              <p:par>
-                                <p:cTn id="27" presetClass="entr" nodeType="clickEffect" presetSubtype="0" presetID="1" grpId="1" fill="hold">
-                                  <p:stCondLst>
-                                    <p:cond delay="0"/>
-                                  </p:stCondLst>
-                                  <p:iterate type="el" backwards="0">
-                                    <p:tmAbs val="0"/>
-                                  </p:iterate>
-                                  <p:childTnLst>
-                                    <p:set>
-                                      <p:cBhvr>
-                                        <p:cTn id="28" fill="hold"/>
-                                        <p:tgtEl>
-                                          <p:spTgt spid="136">
-                                            <p:txEl>
-                                              <p:pRg st="5" end="5"/>
-                                            </p:txEl>
-                                          </p:spTgt>
-                                        </p:tgtEl>
-                                        <p:attrNameLst>
-                                          <p:attrName>style.visibility</p:attrName>
-                                        </p:attrNameLst>
-                                      </p:cBhvr>
-                                      <p:to>
-                                        <p:strVal val="visible"/>
-                                      </p:to>
-                                    </p:set>
-                                  </p:childTnLst>
-                                </p:cTn>
-                              </p:par>
-                            </p:childTnLst>
-                          </p:cTn>
-                        </p:par>
-                      </p:childTnLst>
-                    </p:cTn>
-                  </p:par>
-                </p:childTnLst>
-              </p:cTn>
-              <p:prevCondLst>
-                <p:cond evt="onPrev">
-                  <p:tgtEl>
-                    <p:sldTgt/>
-                  </p:tgtEl>
-                </p:cond>
-              </p:prevCondLst>
-              <p:nextCondLst>
-                <p:cond evt="onNext">
-                  <p:tgtEl>
-                    <p:sldTgt/>
-                  </p:tgtEl>
-                </p:cond>
-              </p:nextCondLst>
-            </p:seq>
-          </p:childTnLst>
-        </p:cTn>
-      </p:par>
-    </p:tnLst>
-    <p:bldLst>
-      <p:bldP build="p" bldLvl="5" animBg="1" rev="0" advAuto="0" spid="136" grpId="1"/>
-    </p:bldLst>
-  </p:timing>
 </p:sld>
 </file>
 
@@ -6452,45 +6699,15 @@
           </a:p>
         </p:txBody>
       </p:sp>
-      <p:pic>
-        <p:nvPicPr>
-          <p:cNvPr id="141" name="SalesVsBudget_All.png" descr="SalesVsBudget_All.png"/>
-          <p:cNvPicPr>
-            <a:picLocks noChangeAspect="1"/>
-          </p:cNvPicPr>
-          <p:nvPr/>
-        </p:nvPicPr>
-        <p:blipFill>
-          <a:blip r:embed="rId2">
-            <a:extLst/>
-          </a:blip>
-          <a:srcRect l="0" t="5863" r="0" b="0"/>
-          <a:stretch>
-            <a:fillRect/>
-          </a:stretch>
-        </p:blipFill>
-        <p:spPr>
-          <a:xfrm>
-            <a:off x="9648080" y="2736254"/>
-            <a:ext cx="13993733" cy="9879946"/>
-          </a:xfrm>
-          <a:prstGeom prst="rect">
-            <a:avLst/>
-          </a:prstGeom>
-          <a:ln w="12700">
-            <a:miter lim="400000"/>
-          </a:ln>
-        </p:spPr>
-      </p:pic>
       <p:sp>
         <p:nvSpPr>
-          <p:cNvPr id="142" name="Sales versus budget for all movies  (n = 5887)"/>
+          <p:cNvPr id="141" name="Sales versus budget for all movies  (n = 5887)"/>
           <p:cNvSpPr txBox="1"/>
           <p:nvPr/>
         </p:nvSpPr>
         <p:spPr>
           <a:xfrm>
-            <a:off x="9800575" y="1572567"/>
+            <a:off x="9800574" y="1470967"/>
             <a:ext cx="13688823" cy="889001"/>
           </a:xfrm>
           <a:prstGeom prst="rect">
@@ -6541,7 +6758,7 @@
       </p:sp>
       <p:sp>
         <p:nvSpPr>
-          <p:cNvPr id="143" name="Wide variability in box office across all films…"/>
+          <p:cNvPr id="142" name="Wide variability in box office across all films…"/>
           <p:cNvSpPr txBox="1"/>
           <p:nvPr>
             <p:ph type="body" sz="half" idx="4294967295"/>
@@ -6684,361 +6901,42 @@
           </a:p>
         </p:txBody>
       </p:sp>
+      <p:pic>
+        <p:nvPicPr>
+          <p:cNvPr id="143" name="SalesVsBudget_Joint.png" descr="SalesVsBudget_Joint.png"/>
+          <p:cNvPicPr>
+            <a:picLocks noChangeAspect="0"/>
+          </p:cNvPicPr>
+          <p:nvPr/>
+        </p:nvPicPr>
+        <p:blipFill>
+          <a:blip r:embed="rId2">
+            <a:extLst/>
+          </a:blip>
+          <a:srcRect l="0" t="1356" r="0" b="1356"/>
+          <a:stretch>
+            <a:fillRect/>
+          </a:stretch>
+        </p:blipFill>
+        <p:spPr>
+          <a:xfrm>
+            <a:off x="10261599" y="2452092"/>
+            <a:ext cx="12341656" cy="10290223"/>
+          </a:xfrm>
+          <a:prstGeom prst="rect">
+            <a:avLst/>
+          </a:prstGeom>
+          <a:ln w="12700">
+            <a:miter lim="400000"/>
+          </a:ln>
+        </p:spPr>
+      </p:pic>
     </p:spTree>
   </p:cSld>
   <p:clrMapOvr>
     <a:masterClrMapping/>
   </p:clrMapOvr>
   <p:transition xmlns:p14="http://schemas.microsoft.com/office/powerpoint/2010/main" spd="med" advClick="1"/>
-  <p:timing>
-    <p:tnLst>
-      <p:par>
-        <p:cTn id="1" nodeType="tmRoot" restart="never" dur="indefinite" fill="hold">
-          <p:childTnLst>
-            <p:seq concurrent="1" prevAc="none" nextAc="seek">
-              <p:cTn id="2" nodeType="mainSeq" dur="indefinite" fill="hold">
-                <p:childTnLst>
-                  <p:par>
-                    <p:cTn id="3" fill="hold">
-                      <p:stCondLst>
-                        <p:cond delay="indefinite"/>
-                      </p:stCondLst>
-                      <p:childTnLst>
-                        <p:par>
-                          <p:cTn id="4" fill="hold">
-                            <p:stCondLst>
-                              <p:cond delay="0"/>
-                            </p:stCondLst>
-                            <p:childTnLst>
-                              <p:par>
-                                <p:cTn id="5" presetClass="entr" nodeType="clickEffect" presetSubtype="0" presetID="1" grpId="1" fill="hold">
-                                  <p:stCondLst>
-                                    <p:cond delay="0"/>
-                                  </p:stCondLst>
-                                  <p:iterate type="el" backwards="0">
-                                    <p:tmAbs val="0"/>
-                                  </p:iterate>
-                                  <p:childTnLst>
-                                    <p:set>
-                                      <p:cBhvr>
-                                        <p:cTn id="6" fill="hold"/>
-                                        <p:tgtEl>
-                                          <p:spTgt spid="143">
-                                            <p:bg/>
-                                          </p:spTgt>
-                                        </p:tgtEl>
-                                        <p:attrNameLst>
-                                          <p:attrName>style.visibility</p:attrName>
-                                        </p:attrNameLst>
-                                      </p:cBhvr>
-                                      <p:to>
-                                        <p:strVal val="visible"/>
-                                      </p:to>
-                                    </p:set>
-                                  </p:childTnLst>
-                                </p:cTn>
-                              </p:par>
-                              <p:par>
-                                <p:cTn id="7" presetClass="entr" nodeType="withEffect" presetSubtype="0" presetID="1" grpId="1" fill="hold">
-                                  <p:stCondLst>
-                                    <p:cond delay="0"/>
-                                  </p:stCondLst>
-                                  <p:iterate type="el" backwards="0">
-                                    <p:tmAbs val="0"/>
-                                  </p:iterate>
-                                  <p:childTnLst>
-                                    <p:set>
-                                      <p:cBhvr>
-                                        <p:cTn id="8" fill="hold"/>
-                                        <p:tgtEl>
-                                          <p:spTgt spid="143">
-                                            <p:txEl>
-                                              <p:pRg st="0" end="0"/>
-                                            </p:txEl>
-                                          </p:spTgt>
-                                        </p:tgtEl>
-                                        <p:attrNameLst>
-                                          <p:attrName>style.visibility</p:attrName>
-                                        </p:attrNameLst>
-                                      </p:cBhvr>
-                                      <p:to>
-                                        <p:strVal val="visible"/>
-                                      </p:to>
-                                    </p:set>
-                                  </p:childTnLst>
-                                </p:cTn>
-                              </p:par>
-                            </p:childTnLst>
-                          </p:cTn>
-                        </p:par>
-                      </p:childTnLst>
-                    </p:cTn>
-                  </p:par>
-                  <p:par>
-                    <p:cTn id="9" fill="hold">
-                      <p:stCondLst>
-                        <p:cond delay="indefinite"/>
-                      </p:stCondLst>
-                      <p:childTnLst>
-                        <p:par>
-                          <p:cTn id="10" fill="hold">
-                            <p:stCondLst>
-                              <p:cond delay="0"/>
-                            </p:stCondLst>
-                            <p:childTnLst>
-                              <p:par>
-                                <p:cTn id="11" presetClass="entr" nodeType="clickEffect" presetSubtype="0" presetID="1" grpId="1" fill="hold">
-                                  <p:stCondLst>
-                                    <p:cond delay="0"/>
-                                  </p:stCondLst>
-                                  <p:iterate type="el" backwards="0">
-                                    <p:tmAbs val="0"/>
-                                  </p:iterate>
-                                  <p:childTnLst>
-                                    <p:set>
-                                      <p:cBhvr>
-                                        <p:cTn id="12" fill="hold"/>
-                                        <p:tgtEl>
-                                          <p:spTgt spid="143">
-                                            <p:txEl>
-                                              <p:pRg st="1" end="1"/>
-                                            </p:txEl>
-                                          </p:spTgt>
-                                        </p:tgtEl>
-                                        <p:attrNameLst>
-                                          <p:attrName>style.visibility</p:attrName>
-                                        </p:attrNameLst>
-                                      </p:cBhvr>
-                                      <p:to>
-                                        <p:strVal val="visible"/>
-                                      </p:to>
-                                    </p:set>
-                                  </p:childTnLst>
-                                </p:cTn>
-                              </p:par>
-                            </p:childTnLst>
-                          </p:cTn>
-                        </p:par>
-                      </p:childTnLst>
-                    </p:cTn>
-                  </p:par>
-                  <p:par>
-                    <p:cTn id="13" fill="hold">
-                      <p:stCondLst>
-                        <p:cond delay="indefinite"/>
-                      </p:stCondLst>
-                      <p:childTnLst>
-                        <p:par>
-                          <p:cTn id="14" fill="hold">
-                            <p:stCondLst>
-                              <p:cond delay="0"/>
-                            </p:stCondLst>
-                            <p:childTnLst>
-                              <p:par>
-                                <p:cTn id="15" presetClass="entr" nodeType="clickEffect" presetSubtype="0" presetID="1" grpId="1" fill="hold">
-                                  <p:stCondLst>
-                                    <p:cond delay="0"/>
-                                  </p:stCondLst>
-                                  <p:iterate type="el" backwards="0">
-                                    <p:tmAbs val="0"/>
-                                  </p:iterate>
-                                  <p:childTnLst>
-                                    <p:set>
-                                      <p:cBhvr>
-                                        <p:cTn id="16" fill="hold"/>
-                                        <p:tgtEl>
-                                          <p:spTgt spid="143">
-                                            <p:txEl>
-                                              <p:pRg st="2" end="2"/>
-                                            </p:txEl>
-                                          </p:spTgt>
-                                        </p:tgtEl>
-                                        <p:attrNameLst>
-                                          <p:attrName>style.visibility</p:attrName>
-                                        </p:attrNameLst>
-                                      </p:cBhvr>
-                                      <p:to>
-                                        <p:strVal val="visible"/>
-                                      </p:to>
-                                    </p:set>
-                                  </p:childTnLst>
-                                </p:cTn>
-                              </p:par>
-                            </p:childTnLst>
-                          </p:cTn>
-                        </p:par>
-                      </p:childTnLst>
-                    </p:cTn>
-                  </p:par>
-                  <p:par>
-                    <p:cTn id="17" fill="hold">
-                      <p:stCondLst>
-                        <p:cond delay="indefinite"/>
-                      </p:stCondLst>
-                      <p:childTnLst>
-                        <p:par>
-                          <p:cTn id="18" fill="hold">
-                            <p:stCondLst>
-                              <p:cond delay="0"/>
-                            </p:stCondLst>
-                            <p:childTnLst>
-                              <p:par>
-                                <p:cTn id="19" presetClass="entr" nodeType="clickEffect" presetSubtype="0" presetID="1" grpId="1" fill="hold">
-                                  <p:stCondLst>
-                                    <p:cond delay="0"/>
-                                  </p:stCondLst>
-                                  <p:iterate type="el" backwards="0">
-                                    <p:tmAbs val="0"/>
-                                  </p:iterate>
-                                  <p:childTnLst>
-                                    <p:set>
-                                      <p:cBhvr>
-                                        <p:cTn id="20" fill="hold"/>
-                                        <p:tgtEl>
-                                          <p:spTgt spid="143">
-                                            <p:txEl>
-                                              <p:pRg st="3" end="3"/>
-                                            </p:txEl>
-                                          </p:spTgt>
-                                        </p:tgtEl>
-                                        <p:attrNameLst>
-                                          <p:attrName>style.visibility</p:attrName>
-                                        </p:attrNameLst>
-                                      </p:cBhvr>
-                                      <p:to>
-                                        <p:strVal val="visible"/>
-                                      </p:to>
-                                    </p:set>
-                                  </p:childTnLst>
-                                </p:cTn>
-                              </p:par>
-                            </p:childTnLst>
-                          </p:cTn>
-                        </p:par>
-                      </p:childTnLst>
-                    </p:cTn>
-                  </p:par>
-                  <p:par>
-                    <p:cTn id="21" fill="hold">
-                      <p:stCondLst>
-                        <p:cond delay="indefinite"/>
-                      </p:stCondLst>
-                      <p:childTnLst>
-                        <p:par>
-                          <p:cTn id="22" fill="hold">
-                            <p:stCondLst>
-                              <p:cond delay="0"/>
-                            </p:stCondLst>
-                            <p:childTnLst>
-                              <p:par>
-                                <p:cTn id="23" presetClass="entr" nodeType="clickEffect" presetSubtype="0" presetID="1" grpId="1" fill="hold">
-                                  <p:stCondLst>
-                                    <p:cond delay="0"/>
-                                  </p:stCondLst>
-                                  <p:iterate type="el" backwards="0">
-                                    <p:tmAbs val="0"/>
-                                  </p:iterate>
-                                  <p:childTnLst>
-                                    <p:set>
-                                      <p:cBhvr>
-                                        <p:cTn id="24" fill="hold"/>
-                                        <p:tgtEl>
-                                          <p:spTgt spid="143">
-                                            <p:txEl>
-                                              <p:pRg st="4" end="4"/>
-                                            </p:txEl>
-                                          </p:spTgt>
-                                        </p:tgtEl>
-                                        <p:attrNameLst>
-                                          <p:attrName>style.visibility</p:attrName>
-                                        </p:attrNameLst>
-                                      </p:cBhvr>
-                                      <p:to>
-                                        <p:strVal val="visible"/>
-                                      </p:to>
-                                    </p:set>
-                                  </p:childTnLst>
-                                </p:cTn>
-                              </p:par>
-                            </p:childTnLst>
-                          </p:cTn>
-                        </p:par>
-                      </p:childTnLst>
-                    </p:cTn>
-                  </p:par>
-                  <p:par>
-                    <p:cTn id="25" fill="hold">
-                      <p:stCondLst>
-                        <p:cond delay="indefinite"/>
-                      </p:stCondLst>
-                      <p:childTnLst>
-                        <p:par>
-                          <p:cTn id="26" fill="hold">
-                            <p:stCondLst>
-                              <p:cond delay="0"/>
-                            </p:stCondLst>
-                            <p:childTnLst>
-                              <p:par>
-                                <p:cTn id="27" presetClass="entr" nodeType="clickEffect" presetSubtype="0" presetID="1" grpId="1" fill="hold">
-                                  <p:stCondLst>
-                                    <p:cond delay="0"/>
-                                  </p:stCondLst>
-                                  <p:iterate type="el" backwards="0">
-                                    <p:tmAbs val="0"/>
-                                  </p:iterate>
-                                  <p:childTnLst>
-                                    <p:set>
-                                      <p:cBhvr>
-                                        <p:cTn id="28" fill="hold"/>
-                                        <p:tgtEl>
-                                          <p:spTgt spid="143">
-                                            <p:txEl>
-                                              <p:pRg st="5" end="5"/>
-                                            </p:txEl>
-                                          </p:spTgt>
-                                        </p:tgtEl>
-                                        <p:attrNameLst>
-                                          <p:attrName>style.visibility</p:attrName>
-                                        </p:attrNameLst>
-                                      </p:cBhvr>
-                                      <p:to>
-                                        <p:strVal val="visible"/>
-                                      </p:to>
-                                    </p:set>
-                                  </p:childTnLst>
-                                </p:cTn>
-                              </p:par>
-                            </p:childTnLst>
-                          </p:cTn>
-                        </p:par>
-                      </p:childTnLst>
-                    </p:cTn>
-                  </p:par>
-                </p:childTnLst>
-              </p:cTn>
-              <p:prevCondLst>
-                <p:cond evt="onPrev">
-                  <p:tgtEl>
-                    <p:sldTgt/>
-                  </p:tgtEl>
-                </p:cond>
-              </p:prevCondLst>
-              <p:nextCondLst>
-                <p:cond evt="onNext">
-                  <p:tgtEl>
-                    <p:sldTgt/>
-                  </p:tgtEl>
-                </p:cond>
-              </p:nextCondLst>
-            </p:seq>
-          </p:childTnLst>
-        </p:cTn>
-      </p:par>
-    </p:tnLst>
-    <p:bldLst>
-      <p:bldP build="p" bldLvl="5" animBg="1" rev="0" advAuto="0" spid="143" grpId="1"/>
-    </p:bldLst>
-  </p:timing>
 </p:sld>
 </file>
 
@@ -7155,14 +7053,14 @@
       </p:pic>
       <p:sp>
         <p:nvSpPr>
-          <p:cNvPr id="148" name="High-budget"/>
+          <p:cNvPr id="148" name="High-budget…"/>
           <p:cNvSpPr txBox="1"/>
           <p:nvPr/>
         </p:nvSpPr>
         <p:spPr>
           <a:xfrm>
-            <a:off x="17329035" y="1121717"/>
-            <a:ext cx="4000730" cy="927101"/>
+            <a:off x="17182909" y="1172517"/>
+            <a:ext cx="4191382" cy="1536701"/>
           </a:xfrm>
           <a:prstGeom prst="rect">
             <a:avLst/>
@@ -7180,8 +7078,9 @@
           <a:bodyPr wrap="none" lIns="50800" tIns="50800" rIns="50800" bIns="50800" anchor="ctr">
             <a:spAutoFit/>
           </a:bodyPr>
-          <a:lstStyle>
-            <a:lvl1pPr>
+          <a:lstStyle/>
+          <a:p>
+            <a:pPr>
               <a:defRPr i="1" sz="5400">
                 <a:solidFill>
                   <a:schemeClr val="accent1">
@@ -7194,26 +7093,42 @@
                 <a:cs typeface="Helvetica"/>
                 <a:sym typeface="Helvetica"/>
               </a:defRPr>
-            </a:lvl1pPr>
-          </a:lstStyle>
-          <a:p>
-            <a:pPr/>
+            </a:pPr>
             <a:r>
               <a:t>High-budget</a:t>
+            </a:r>
+          </a:p>
+          <a:p>
+            <a:pPr>
+              <a:defRPr i="1" sz="4000">
+                <a:solidFill>
+                  <a:schemeClr val="accent1">
+                    <a:hueOff val="203713"/>
+                    <a:lumOff val="-13818"/>
+                  </a:schemeClr>
+                </a:solidFill>
+                <a:latin typeface="Helvetica"/>
+                <a:ea typeface="Helvetica"/>
+                <a:cs typeface="Helvetica"/>
+                <a:sym typeface="Helvetica"/>
+              </a:defRPr>
+            </a:pPr>
+            <a:r>
+              <a:t>&gt; $50M</a:t>
             </a:r>
           </a:p>
         </p:txBody>
       </p:sp>
       <p:sp>
         <p:nvSpPr>
-          <p:cNvPr id="149" name="Low-budget"/>
+          <p:cNvPr id="149" name="Low-budget…"/>
           <p:cNvSpPr txBox="1"/>
           <p:nvPr/>
         </p:nvSpPr>
         <p:spPr>
           <a:xfrm>
-            <a:off x="17652618" y="11154717"/>
-            <a:ext cx="3810763" cy="927101"/>
+            <a:off x="17455692" y="10722917"/>
+            <a:ext cx="4001416" cy="1536701"/>
           </a:xfrm>
           <a:prstGeom prst="rect">
             <a:avLst/>
@@ -7231,8 +7146,9 @@
           <a:bodyPr wrap="none" lIns="50800" tIns="50800" rIns="50800" bIns="50800" anchor="ctr">
             <a:spAutoFit/>
           </a:bodyPr>
-          <a:lstStyle>
-            <a:lvl1pPr>
+          <a:lstStyle/>
+          <a:p>
+            <a:pPr>
               <a:defRPr i="1" sz="5400">
                 <a:solidFill>
                   <a:schemeClr val="accent1">
@@ -7245,12 +7161,28 @@
                 <a:cs typeface="Helvetica"/>
                 <a:sym typeface="Helvetica"/>
               </a:defRPr>
-            </a:lvl1pPr>
-          </a:lstStyle>
-          <a:p>
-            <a:pPr/>
+            </a:pPr>
             <a:r>
               <a:t>Low-budget</a:t>
+            </a:r>
+          </a:p>
+          <a:p>
+            <a:pPr>
+              <a:defRPr i="1" sz="4000">
+                <a:solidFill>
+                  <a:schemeClr val="accent1">
+                    <a:hueOff val="203713"/>
+                    <a:lumOff val="-13818"/>
+                  </a:schemeClr>
+                </a:solidFill>
+                <a:latin typeface="Helvetica"/>
+                <a:ea typeface="Helvetica"/>
+                <a:cs typeface="Helvetica"/>
+                <a:sym typeface="Helvetica"/>
+              </a:defRPr>
+            </a:pPr>
+            <a:r>
+              <a:t>&gt; $5M, &lt;$50M</a:t>
             </a:r>
           </a:p>
         </p:txBody>
@@ -7328,163 +7260,6 @@
     <a:masterClrMapping/>
   </p:clrMapOvr>
   <p:transition xmlns:p14="http://schemas.microsoft.com/office/powerpoint/2010/main" spd="med" advClick="1"/>
-  <p:timing>
-    <p:tnLst>
-      <p:par>
-        <p:cTn id="1" nodeType="tmRoot" restart="never" dur="indefinite" fill="hold">
-          <p:childTnLst>
-            <p:seq concurrent="1" prevAc="none" nextAc="seek">
-              <p:cTn id="2" nodeType="mainSeq" dur="indefinite" fill="hold">
-                <p:childTnLst>
-                  <p:par>
-                    <p:cTn id="3" fill="hold">
-                      <p:stCondLst>
-                        <p:cond delay="indefinite"/>
-                      </p:stCondLst>
-                      <p:childTnLst>
-                        <p:par>
-                          <p:cTn id="4" fill="hold">
-                            <p:stCondLst>
-                              <p:cond delay="0"/>
-                            </p:stCondLst>
-                            <p:childTnLst>
-                              <p:par>
-                                <p:cTn id="5" presetClass="entr" nodeType="clickEffect" presetSubtype="0" presetID="1" grpId="1" fill="hold">
-                                  <p:stCondLst>
-                                    <p:cond delay="0"/>
-                                  </p:stCondLst>
-                                  <p:iterate type="el" backwards="0">
-                                    <p:tmAbs val="0"/>
-                                  </p:iterate>
-                                  <p:childTnLst>
-                                    <p:set>
-                                      <p:cBhvr>
-                                        <p:cTn id="6" fill="hold"/>
-                                        <p:tgtEl>
-                                          <p:spTgt spid="150">
-                                            <p:bg/>
-                                          </p:spTgt>
-                                        </p:tgtEl>
-                                        <p:attrNameLst>
-                                          <p:attrName>style.visibility</p:attrName>
-                                        </p:attrNameLst>
-                                      </p:cBhvr>
-                                      <p:to>
-                                        <p:strVal val="visible"/>
-                                      </p:to>
-                                    </p:set>
-                                  </p:childTnLst>
-                                </p:cTn>
-                              </p:par>
-                              <p:par>
-                                <p:cTn id="7" presetClass="entr" nodeType="withEffect" presetSubtype="0" presetID="1" grpId="1" fill="hold">
-                                  <p:stCondLst>
-                                    <p:cond delay="0"/>
-                                  </p:stCondLst>
-                                  <p:iterate type="el" backwards="0">
-                                    <p:tmAbs val="0"/>
-                                  </p:iterate>
-                                  <p:childTnLst>
-                                    <p:set>
-                                      <p:cBhvr>
-                                        <p:cTn id="8" fill="hold"/>
-                                        <p:tgtEl>
-                                          <p:spTgt spid="150">
-                                            <p:txEl>
-                                              <p:pRg st="0" end="0"/>
-                                            </p:txEl>
-                                          </p:spTgt>
-                                        </p:tgtEl>
-                                        <p:attrNameLst>
-                                          <p:attrName>style.visibility</p:attrName>
-                                        </p:attrNameLst>
-                                      </p:cBhvr>
-                                      <p:to>
-                                        <p:strVal val="visible"/>
-                                      </p:to>
-                                    </p:set>
-                                  </p:childTnLst>
-                                </p:cTn>
-                              </p:par>
-                            </p:childTnLst>
-                          </p:cTn>
-                        </p:par>
-                      </p:childTnLst>
-                    </p:cTn>
-                  </p:par>
-                  <p:par>
-                    <p:cTn id="9" fill="hold">
-                      <p:stCondLst>
-                        <p:cond delay="indefinite"/>
-                      </p:stCondLst>
-                      <p:childTnLst>
-                        <p:par>
-                          <p:cTn id="10" fill="hold">
-                            <p:stCondLst>
-                              <p:cond delay="0"/>
-                            </p:stCondLst>
-                            <p:childTnLst>
-                              <p:par>
-                                <p:cTn id="11" presetClass="entr" nodeType="clickEffect" presetSubtype="0" presetID="1" grpId="1" fill="hold">
-                                  <p:stCondLst>
-                                    <p:cond delay="0"/>
-                                  </p:stCondLst>
-                                  <p:iterate type="el" backwards="0">
-                                    <p:tmAbs val="0"/>
-                                  </p:iterate>
-                                  <p:childTnLst>
-                                    <p:set>
-                                      <p:cBhvr>
-                                        <p:cTn id="12" fill="hold"/>
-                                        <p:tgtEl>
-                                          <p:spTgt spid="150">
-                                            <p:txEl>
-                                              <p:pRg st="1" end="1"/>
-                                            </p:txEl>
-                                          </p:spTgt>
-                                        </p:tgtEl>
-                                        <p:attrNameLst>
-                                          <p:attrName>style.visibility</p:attrName>
-                                        </p:attrNameLst>
-                                      </p:cBhvr>
-                                      <p:to>
-                                        <p:strVal val="visible"/>
-                                      </p:to>
-                                    </p:set>
-                                  </p:childTnLst>
-                                </p:cTn>
-                              </p:par>
-                            </p:childTnLst>
-                          </p:cTn>
-                        </p:par>
-                      </p:childTnLst>
-                    </p:cTn>
-                  </p:par>
-                </p:childTnLst>
-              </p:cTn>
-              <p:prevCondLst>
-                <p:cond evt="onPrev">
-                  <p:tgtEl>
-                    <p:sldTgt/>
-                  </p:tgtEl>
-                </p:cond>
-              </p:prevCondLst>
-              <p:nextCondLst>
-                <p:cond evt="onNext">
-                  <p:tgtEl>
-                    <p:sldTgt/>
-                  </p:tgtEl>
-                </p:cond>
-              </p:nextCondLst>
-            </p:seq>
-          </p:childTnLst>
-        </p:cTn>
-      </p:par>
-    </p:tnLst>
-    <p:bldLst>
-      <p:bldP build="p" bldLvl="5" animBg="1" rev="0" advAuto="0" spid="150" grpId="1"/>
-    </p:bldLst>
-  </p:timing>
 </p:sld>
 </file>
 
@@ -7671,115 +7446,6 @@
     <a:masterClrMapping/>
   </p:clrMapOvr>
   <p:transition xmlns:p14="http://schemas.microsoft.com/office/powerpoint/2010/main" spd="med" advClick="1"/>
-  <p:timing>
-    <p:tnLst>
-      <p:par>
-        <p:cTn id="1" nodeType="tmRoot" restart="never" dur="indefinite" fill="hold">
-          <p:childTnLst>
-            <p:seq concurrent="1" prevAc="none" nextAc="seek">
-              <p:cTn id="2" nodeType="mainSeq" dur="indefinite" fill="hold">
-                <p:childTnLst>
-                  <p:par>
-                    <p:cTn id="3" fill="hold">
-                      <p:stCondLst>
-                        <p:cond delay="indefinite"/>
-                      </p:stCondLst>
-                      <p:childTnLst>
-                        <p:par>
-                          <p:cTn id="4" fill="hold">
-                            <p:stCondLst>
-                              <p:cond delay="0"/>
-                            </p:stCondLst>
-                            <p:childTnLst>
-                              <p:par>
-                                <p:cTn id="5" presetClass="entr" nodeType="clickEffect" presetSubtype="0" presetID="1" grpId="1" fill="hold">
-                                  <p:stCondLst>
-                                    <p:cond delay="0"/>
-                                  </p:stCondLst>
-                                  <p:iterate type="el" backwards="0">
-                                    <p:tmAbs val="0"/>
-                                  </p:iterate>
-                                  <p:childTnLst>
-                                    <p:set>
-                                      <p:cBhvr>
-                                        <p:cTn id="6" fill="hold"/>
-                                        <p:tgtEl>
-                                          <p:spTgt spid="154">
-                                            <p:bg/>
-                                          </p:spTgt>
-                                        </p:tgtEl>
-                                        <p:attrNameLst>
-                                          <p:attrName>style.visibility</p:attrName>
-                                        </p:attrNameLst>
-                                      </p:cBhvr>
-                                      <p:to>
-                                        <p:strVal val="visible"/>
-                                      </p:to>
-                                    </p:set>
-                                  </p:childTnLst>
-                                </p:cTn>
-                              </p:par>
-                              <p:par>
-                                <p:cTn id="7" presetClass="entr" nodeType="withEffect" presetSubtype="0" presetID="1" grpId="1" fill="hold">
-                                  <p:stCondLst>
-                                    <p:cond delay="0"/>
-                                  </p:stCondLst>
-                                  <p:iterate type="el" backwards="0">
-                                    <p:tmAbs val="0"/>
-                                  </p:iterate>
-                                  <p:childTnLst>
-                                    <p:set>
-                                      <p:cBhvr>
-                                        <p:cTn id="8" fill="hold"/>
-                                        <p:tgtEl>
-                                          <p:spTgt spid="154">
-                                            <p:txEl>
-                                              <p:pRg st="0" end="0"/>
-                                            </p:txEl>
-                                          </p:spTgt>
-                                        </p:tgtEl>
-                                        <p:attrNameLst>
-                                          <p:attrName>style.visibility</p:attrName>
-                                        </p:attrNameLst>
-                                      </p:cBhvr>
-                                      <p:to>
-                                        <p:strVal val="visible"/>
-                                      </p:to>
-                                    </p:set>
-                                  </p:childTnLst>
-                                </p:cTn>
-                              </p:par>
-                            </p:childTnLst>
-                          </p:cTn>
-                        </p:par>
-                      </p:childTnLst>
-                    </p:cTn>
-                  </p:par>
-                </p:childTnLst>
-              </p:cTn>
-              <p:prevCondLst>
-                <p:cond evt="onPrev">
-                  <p:tgtEl>
-                    <p:sldTgt/>
-                  </p:tgtEl>
-                </p:cond>
-              </p:prevCondLst>
-              <p:nextCondLst>
-                <p:cond evt="onNext">
-                  <p:tgtEl>
-                    <p:sldTgt/>
-                  </p:tgtEl>
-                </p:cond>
-              </p:nextCondLst>
-            </p:seq>
-          </p:childTnLst>
-        </p:cTn>
-      </p:par>
-    </p:tnLst>
-    <p:bldLst>
-      <p:bldP build="p" bldLvl="5" animBg="1" rev="0" advAuto="0" spid="154" grpId="1"/>
-    </p:bldLst>
-  </p:timing>
 </p:sld>
 </file>
 
@@ -7990,211 +7656,6 @@
     <a:masterClrMapping/>
   </p:clrMapOvr>
   <p:transition xmlns:p14="http://schemas.microsoft.com/office/powerpoint/2010/main" spd="med" advClick="1"/>
-  <p:timing>
-    <p:tnLst>
-      <p:par>
-        <p:cTn id="1" nodeType="tmRoot" restart="never" dur="indefinite" fill="hold">
-          <p:childTnLst>
-            <p:seq concurrent="1" prevAc="none" nextAc="seek">
-              <p:cTn id="2" nodeType="mainSeq" dur="indefinite" fill="hold">
-                <p:childTnLst>
-                  <p:par>
-                    <p:cTn id="3" fill="hold">
-                      <p:stCondLst>
-                        <p:cond delay="indefinite"/>
-                      </p:stCondLst>
-                      <p:childTnLst>
-                        <p:par>
-                          <p:cTn id="4" fill="hold">
-                            <p:stCondLst>
-                              <p:cond delay="0"/>
-                            </p:stCondLst>
-                            <p:childTnLst>
-                              <p:par>
-                                <p:cTn id="5" presetClass="entr" nodeType="clickEffect" presetSubtype="0" presetID="1" grpId="1" fill="hold">
-                                  <p:stCondLst>
-                                    <p:cond delay="0"/>
-                                  </p:stCondLst>
-                                  <p:iterate type="el" backwards="0">
-                                    <p:tmAbs val="0"/>
-                                  </p:iterate>
-                                  <p:childTnLst>
-                                    <p:set>
-                                      <p:cBhvr>
-                                        <p:cTn id="6" fill="hold"/>
-                                        <p:tgtEl>
-                                          <p:spTgt spid="159">
-                                            <p:bg/>
-                                          </p:spTgt>
-                                        </p:tgtEl>
-                                        <p:attrNameLst>
-                                          <p:attrName>style.visibility</p:attrName>
-                                        </p:attrNameLst>
-                                      </p:cBhvr>
-                                      <p:to>
-                                        <p:strVal val="visible"/>
-                                      </p:to>
-                                    </p:set>
-                                  </p:childTnLst>
-                                </p:cTn>
-                              </p:par>
-                              <p:par>
-                                <p:cTn id="7" presetClass="entr" nodeType="withEffect" presetSubtype="0" presetID="1" grpId="1" fill="hold">
-                                  <p:stCondLst>
-                                    <p:cond delay="0"/>
-                                  </p:stCondLst>
-                                  <p:iterate type="el" backwards="0">
-                                    <p:tmAbs val="0"/>
-                                  </p:iterate>
-                                  <p:childTnLst>
-                                    <p:set>
-                                      <p:cBhvr>
-                                        <p:cTn id="8" fill="hold"/>
-                                        <p:tgtEl>
-                                          <p:spTgt spid="159">
-                                            <p:txEl>
-                                              <p:pRg st="0" end="0"/>
-                                            </p:txEl>
-                                          </p:spTgt>
-                                        </p:tgtEl>
-                                        <p:attrNameLst>
-                                          <p:attrName>style.visibility</p:attrName>
-                                        </p:attrNameLst>
-                                      </p:cBhvr>
-                                      <p:to>
-                                        <p:strVal val="visible"/>
-                                      </p:to>
-                                    </p:set>
-                                  </p:childTnLst>
-                                </p:cTn>
-                              </p:par>
-                            </p:childTnLst>
-                          </p:cTn>
-                        </p:par>
-                      </p:childTnLst>
-                    </p:cTn>
-                  </p:par>
-                  <p:par>
-                    <p:cTn id="9" fill="hold">
-                      <p:stCondLst>
-                        <p:cond delay="indefinite"/>
-                      </p:stCondLst>
-                      <p:childTnLst>
-                        <p:par>
-                          <p:cTn id="10" fill="hold">
-                            <p:stCondLst>
-                              <p:cond delay="0"/>
-                            </p:stCondLst>
-                            <p:childTnLst>
-                              <p:par>
-                                <p:cTn id="11" presetClass="entr" nodeType="clickEffect" presetSubtype="0" presetID="1" grpId="1" fill="hold">
-                                  <p:stCondLst>
-                                    <p:cond delay="0"/>
-                                  </p:stCondLst>
-                                  <p:iterate type="el" backwards="0">
-                                    <p:tmAbs val="0"/>
-                                  </p:iterate>
-                                  <p:childTnLst>
-                                    <p:set>
-                                      <p:cBhvr>
-                                        <p:cTn id="12" fill="hold"/>
-                                        <p:tgtEl>
-                                          <p:spTgt spid="159">
-                                            <p:txEl>
-                                              <p:pRg st="1" end="1"/>
-                                            </p:txEl>
-                                          </p:spTgt>
-                                        </p:tgtEl>
-                                        <p:attrNameLst>
-                                          <p:attrName>style.visibility</p:attrName>
-                                        </p:attrNameLst>
-                                      </p:cBhvr>
-                                      <p:to>
-                                        <p:strVal val="visible"/>
-                                      </p:to>
-                                    </p:set>
-                                  </p:childTnLst>
-                                </p:cTn>
-                              </p:par>
-                            </p:childTnLst>
-                          </p:cTn>
-                        </p:par>
-                      </p:childTnLst>
-                    </p:cTn>
-                  </p:par>
-                  <p:par>
-                    <p:cTn id="13" fill="hold">
-                      <p:stCondLst>
-                        <p:cond delay="indefinite"/>
-                      </p:stCondLst>
-                      <p:childTnLst>
-                        <p:par>
-                          <p:cTn id="14" fill="hold">
-                            <p:stCondLst>
-                              <p:cond delay="0"/>
-                            </p:stCondLst>
-                            <p:childTnLst>
-                              <p:par>
-                                <p:cTn id="15" presetClass="entr" nodeType="clickEffect" presetSubtype="0" presetID="1" grpId="1" fill="hold">
-                                  <p:stCondLst>
-                                    <p:cond delay="0"/>
-                                  </p:stCondLst>
-                                  <p:iterate type="el" backwards="0">
-                                    <p:tmAbs val="0"/>
-                                  </p:iterate>
-                                  <p:childTnLst>
-                                    <p:set>
-                                      <p:cBhvr>
-                                        <p:cTn id="16" fill="hold"/>
-                                        <p:tgtEl>
-                                          <p:spTgt spid="159">
-                                            <p:txEl>
-                                              <p:pRg st="2" end="2"/>
-                                            </p:txEl>
-                                          </p:spTgt>
-                                        </p:tgtEl>
-                                        <p:attrNameLst>
-                                          <p:attrName>style.visibility</p:attrName>
-                                        </p:attrNameLst>
-                                      </p:cBhvr>
-                                      <p:to>
-                                        <p:strVal val="visible"/>
-                                      </p:to>
-                                    </p:set>
-                                  </p:childTnLst>
-                                </p:cTn>
-                              </p:par>
-                            </p:childTnLst>
-                          </p:cTn>
-                        </p:par>
-                      </p:childTnLst>
-                    </p:cTn>
-                  </p:par>
-                </p:childTnLst>
-              </p:cTn>
-              <p:prevCondLst>
-                <p:cond evt="onPrev">
-                  <p:tgtEl>
-                    <p:sldTgt/>
-                  </p:tgtEl>
-                </p:cond>
-              </p:prevCondLst>
-              <p:nextCondLst>
-                <p:cond evt="onNext">
-                  <p:tgtEl>
-                    <p:sldTgt/>
-                  </p:tgtEl>
-                </p:cond>
-              </p:nextCondLst>
-            </p:seq>
-          </p:childTnLst>
-        </p:cTn>
-      </p:par>
-    </p:tnLst>
-    <p:bldLst>
-      <p:bldP build="p" bldLvl="5" animBg="1" rev="0" advAuto="0" spid="159" grpId="1"/>
-    </p:bldLst>
-  </p:timing>
 </p:sld>
 </file>
 
@@ -8330,7 +7791,7 @@
               </a:defRPr>
             </a:pPr>
             <a:r>
-              <a:t>Budget*LB-Season (-)</a:t>
+              <a:t>Budget * LB-Season (-)</a:t>
             </a:r>
           </a:p>
           <a:p>
@@ -8347,7 +7808,7 @@
               </a:defRPr>
             </a:pPr>
             <a:r>
-              <a:t>Budget*Comedy (+)</a:t>
+              <a:t>Budget * Comedy (+)</a:t>
             </a:r>
           </a:p>
           <a:p>
@@ -8364,7 +7825,7 @@
               </a:defRPr>
             </a:pPr>
             <a:r>
-              <a:t>LB-Season*HB-Competiton (-)</a:t>
+              <a:t>LB-Season * HB-Competiton (-)</a:t>
             </a:r>
           </a:p>
           <a:p>
@@ -8422,355 +7883,6 @@
     <a:masterClrMapping/>
   </p:clrMapOvr>
   <p:transition xmlns:p14="http://schemas.microsoft.com/office/powerpoint/2010/main" spd="med" advClick="1"/>
-  <p:timing>
-    <p:tnLst>
-      <p:par>
-        <p:cTn id="1" nodeType="tmRoot" restart="never" dur="indefinite" fill="hold">
-          <p:childTnLst>
-            <p:seq concurrent="1" prevAc="none" nextAc="seek">
-              <p:cTn id="2" nodeType="mainSeq" dur="indefinite" fill="hold">
-                <p:childTnLst>
-                  <p:par>
-                    <p:cTn id="3" fill="hold">
-                      <p:stCondLst>
-                        <p:cond delay="indefinite"/>
-                      </p:stCondLst>
-                      <p:childTnLst>
-                        <p:par>
-                          <p:cTn id="4" fill="hold">
-                            <p:stCondLst>
-                              <p:cond delay="0"/>
-                            </p:stCondLst>
-                            <p:childTnLst>
-                              <p:par>
-                                <p:cTn id="5" presetClass="entr" nodeType="clickEffect" presetSubtype="0" presetID="1" grpId="1" fill="hold">
-                                  <p:stCondLst>
-                                    <p:cond delay="0"/>
-                                  </p:stCondLst>
-                                  <p:iterate type="el" backwards="0">
-                                    <p:tmAbs val="0"/>
-                                  </p:iterate>
-                                  <p:childTnLst>
-                                    <p:set>
-                                      <p:cBhvr>
-                                        <p:cTn id="6" fill="hold"/>
-                                        <p:tgtEl>
-                                          <p:spTgt spid="163">
-                                            <p:bg/>
-                                          </p:spTgt>
-                                        </p:tgtEl>
-                                        <p:attrNameLst>
-                                          <p:attrName>style.visibility</p:attrName>
-                                        </p:attrNameLst>
-                                      </p:cBhvr>
-                                      <p:to>
-                                        <p:strVal val="visible"/>
-                                      </p:to>
-                                    </p:set>
-                                  </p:childTnLst>
-                                </p:cTn>
-                              </p:par>
-                              <p:par>
-                                <p:cTn id="7" presetClass="entr" nodeType="withEffect" presetSubtype="0" presetID="1" grpId="1" fill="hold">
-                                  <p:stCondLst>
-                                    <p:cond delay="0"/>
-                                  </p:stCondLst>
-                                  <p:iterate type="el" backwards="0">
-                                    <p:tmAbs val="0"/>
-                                  </p:iterate>
-                                  <p:childTnLst>
-                                    <p:set>
-                                      <p:cBhvr>
-                                        <p:cTn id="8" fill="hold"/>
-                                        <p:tgtEl>
-                                          <p:spTgt spid="163">
-                                            <p:txEl>
-                                              <p:pRg st="0" end="0"/>
-                                            </p:txEl>
-                                          </p:spTgt>
-                                        </p:tgtEl>
-                                        <p:attrNameLst>
-                                          <p:attrName>style.visibility</p:attrName>
-                                        </p:attrNameLst>
-                                      </p:cBhvr>
-                                      <p:to>
-                                        <p:strVal val="visible"/>
-                                      </p:to>
-                                    </p:set>
-                                  </p:childTnLst>
-                                </p:cTn>
-                              </p:par>
-                            </p:childTnLst>
-                          </p:cTn>
-                        </p:par>
-                      </p:childTnLst>
-                    </p:cTn>
-                  </p:par>
-                  <p:par>
-                    <p:cTn id="9" fill="hold">
-                      <p:stCondLst>
-                        <p:cond delay="indefinite"/>
-                      </p:stCondLst>
-                      <p:childTnLst>
-                        <p:par>
-                          <p:cTn id="10" fill="hold">
-                            <p:stCondLst>
-                              <p:cond delay="0"/>
-                            </p:stCondLst>
-                            <p:childTnLst>
-                              <p:par>
-                                <p:cTn id="11" presetClass="entr" nodeType="clickEffect" presetSubtype="0" presetID="1" grpId="1" fill="hold">
-                                  <p:stCondLst>
-                                    <p:cond delay="0"/>
-                                  </p:stCondLst>
-                                  <p:iterate type="el" backwards="0">
-                                    <p:tmAbs val="0"/>
-                                  </p:iterate>
-                                  <p:childTnLst>
-                                    <p:set>
-                                      <p:cBhvr>
-                                        <p:cTn id="12" fill="hold"/>
-                                        <p:tgtEl>
-                                          <p:spTgt spid="163">
-                                            <p:txEl>
-                                              <p:pRg st="1" end="1"/>
-                                            </p:txEl>
-                                          </p:spTgt>
-                                        </p:tgtEl>
-                                        <p:attrNameLst>
-                                          <p:attrName>style.visibility</p:attrName>
-                                        </p:attrNameLst>
-                                      </p:cBhvr>
-                                      <p:to>
-                                        <p:strVal val="visible"/>
-                                      </p:to>
-                                    </p:set>
-                                  </p:childTnLst>
-                                </p:cTn>
-                              </p:par>
-                            </p:childTnLst>
-                          </p:cTn>
-                        </p:par>
-                      </p:childTnLst>
-                    </p:cTn>
-                  </p:par>
-                  <p:par>
-                    <p:cTn id="13" fill="hold">
-                      <p:stCondLst>
-                        <p:cond delay="indefinite"/>
-                      </p:stCondLst>
-                      <p:childTnLst>
-                        <p:par>
-                          <p:cTn id="14" fill="hold">
-                            <p:stCondLst>
-                              <p:cond delay="0"/>
-                            </p:stCondLst>
-                            <p:childTnLst>
-                              <p:par>
-                                <p:cTn id="15" presetClass="entr" nodeType="clickEffect" presetSubtype="0" presetID="1" grpId="1" fill="hold">
-                                  <p:stCondLst>
-                                    <p:cond delay="0"/>
-                                  </p:stCondLst>
-                                  <p:iterate type="el" backwards="0">
-                                    <p:tmAbs val="0"/>
-                                  </p:iterate>
-                                  <p:childTnLst>
-                                    <p:set>
-                                      <p:cBhvr>
-                                        <p:cTn id="16" fill="hold"/>
-                                        <p:tgtEl>
-                                          <p:spTgt spid="163">
-                                            <p:txEl>
-                                              <p:pRg st="2" end="2"/>
-                                            </p:txEl>
-                                          </p:spTgt>
-                                        </p:tgtEl>
-                                        <p:attrNameLst>
-                                          <p:attrName>style.visibility</p:attrName>
-                                        </p:attrNameLst>
-                                      </p:cBhvr>
-                                      <p:to>
-                                        <p:strVal val="visible"/>
-                                      </p:to>
-                                    </p:set>
-                                  </p:childTnLst>
-                                </p:cTn>
-                              </p:par>
-                            </p:childTnLst>
-                          </p:cTn>
-                        </p:par>
-                      </p:childTnLst>
-                    </p:cTn>
-                  </p:par>
-                  <p:par>
-                    <p:cTn id="17" fill="hold">
-                      <p:stCondLst>
-                        <p:cond delay="indefinite"/>
-                      </p:stCondLst>
-                      <p:childTnLst>
-                        <p:par>
-                          <p:cTn id="18" fill="hold">
-                            <p:stCondLst>
-                              <p:cond delay="0"/>
-                            </p:stCondLst>
-                            <p:childTnLst>
-                              <p:par>
-                                <p:cTn id="19" presetClass="entr" nodeType="clickEffect" presetSubtype="0" presetID="1" grpId="1" fill="hold">
-                                  <p:stCondLst>
-                                    <p:cond delay="0"/>
-                                  </p:stCondLst>
-                                  <p:iterate type="el" backwards="0">
-                                    <p:tmAbs val="0"/>
-                                  </p:iterate>
-                                  <p:childTnLst>
-                                    <p:set>
-                                      <p:cBhvr>
-                                        <p:cTn id="20" fill="hold"/>
-                                        <p:tgtEl>
-                                          <p:spTgt spid="163">
-                                            <p:txEl>
-                                              <p:pRg st="3" end="3"/>
-                                            </p:txEl>
-                                          </p:spTgt>
-                                        </p:tgtEl>
-                                        <p:attrNameLst>
-                                          <p:attrName>style.visibility</p:attrName>
-                                        </p:attrNameLst>
-                                      </p:cBhvr>
-                                      <p:to>
-                                        <p:strVal val="visible"/>
-                                      </p:to>
-                                    </p:set>
-                                  </p:childTnLst>
-                                </p:cTn>
-                              </p:par>
-                            </p:childTnLst>
-                          </p:cTn>
-                        </p:par>
-                      </p:childTnLst>
-                    </p:cTn>
-                  </p:par>
-                  <p:par>
-                    <p:cTn id="21" fill="hold">
-                      <p:stCondLst>
-                        <p:cond delay="indefinite"/>
-                      </p:stCondLst>
-                      <p:childTnLst>
-                        <p:par>
-                          <p:cTn id="22" fill="hold">
-                            <p:stCondLst>
-                              <p:cond delay="0"/>
-                            </p:stCondLst>
-                            <p:childTnLst>
-                              <p:par>
-                                <p:cTn id="23" presetClass="entr" nodeType="clickEffect" presetSubtype="0" presetID="1" grpId="1" fill="hold">
-                                  <p:stCondLst>
-                                    <p:cond delay="0"/>
-                                  </p:stCondLst>
-                                  <p:iterate type="el" backwards="0">
-                                    <p:tmAbs val="0"/>
-                                  </p:iterate>
-                                  <p:childTnLst>
-                                    <p:set>
-                                      <p:cBhvr>
-                                        <p:cTn id="24" fill="hold"/>
-                                        <p:tgtEl>
-                                          <p:spTgt spid="163">
-                                            <p:txEl>
-                                              <p:pRg st="4" end="4"/>
-                                            </p:txEl>
-                                          </p:spTgt>
-                                        </p:tgtEl>
-                                        <p:attrNameLst>
-                                          <p:attrName>style.visibility</p:attrName>
-                                        </p:attrNameLst>
-                                      </p:cBhvr>
-                                      <p:to>
-                                        <p:strVal val="visible"/>
-                                      </p:to>
-                                    </p:set>
-                                  </p:childTnLst>
-                                </p:cTn>
-                              </p:par>
-                            </p:childTnLst>
-                          </p:cTn>
-                        </p:par>
-                      </p:childTnLst>
-                    </p:cTn>
-                  </p:par>
-                  <p:par>
-                    <p:cTn id="25" fill="hold">
-                      <p:stCondLst>
-                        <p:cond delay="indefinite"/>
-                      </p:stCondLst>
-                      <p:childTnLst>
-                        <p:par>
-                          <p:cTn id="26" fill="hold">
-                            <p:stCondLst>
-                              <p:cond delay="0"/>
-                            </p:stCondLst>
-                            <p:childTnLst>
-                              <p:par>
-                                <p:cTn id="27" presetClass="entr" nodeType="clickEffect" presetSubtype="0" presetID="1" grpId="1" fill="hold">
-                                  <p:stCondLst>
-                                    <p:cond delay="0"/>
-                                  </p:stCondLst>
-                                  <p:iterate type="el" backwards="0">
-                                    <p:tmAbs val="0"/>
-                                  </p:iterate>
-                                  <p:childTnLst>
-                                    <p:set>
-                                      <p:cBhvr>
-                                        <p:cTn id="28" fill="hold"/>
-                                        <p:tgtEl>
-                                          <p:spTgt spid="163">
-                                            <p:txEl>
-                                              <p:pRg st="5" end="5"/>
-                                            </p:txEl>
-                                          </p:spTgt>
-                                        </p:tgtEl>
-                                        <p:attrNameLst>
-                                          <p:attrName>style.visibility</p:attrName>
-                                        </p:attrNameLst>
-                                      </p:cBhvr>
-                                      <p:to>
-                                        <p:strVal val="visible"/>
-                                      </p:to>
-                                    </p:set>
-                                  </p:childTnLst>
-                                </p:cTn>
-                              </p:par>
-                            </p:childTnLst>
-                          </p:cTn>
-                        </p:par>
-                      </p:childTnLst>
-                    </p:cTn>
-                  </p:par>
-                </p:childTnLst>
-              </p:cTn>
-              <p:prevCondLst>
-                <p:cond evt="onPrev">
-                  <p:tgtEl>
-                    <p:sldTgt/>
-                  </p:tgtEl>
-                </p:cond>
-              </p:prevCondLst>
-              <p:nextCondLst>
-                <p:cond evt="onNext">
-                  <p:tgtEl>
-                    <p:sldTgt/>
-                  </p:tgtEl>
-                </p:cond>
-              </p:nextCondLst>
-            </p:seq>
-          </p:childTnLst>
-        </p:cTn>
-      </p:par>
-    </p:tnLst>
-    <p:bldLst>
-      <p:bldP build="p" bldLvl="5" animBg="1" rev="0" advAuto="0" spid="163" grpId="1"/>
-    </p:bldLst>
-  </p:timing>
 </p:sld>
 </file>
 
